--- a/instructions.pptx
+++ b/instructions.pptx
@@ -6,6 +6,13 @@
   </p:sldMasterIdLst>
   <p:sldIdLst>
     <p:sldId id="268" r:id="rId2"/>
+    <p:sldId id="256" r:id="rId3"/>
+    <p:sldId id="257" r:id="rId4"/>
+    <p:sldId id="258" r:id="rId5"/>
+    <p:sldId id="271" r:id="rId6"/>
+    <p:sldId id="259" r:id="rId7"/>
+    <p:sldId id="266" r:id="rId8"/>
+    <p:sldId id="270" r:id="rId9"/>
   </p:sldIdLst>
   <p:sldSz cx="12192000" cy="6858000"/>
   <p:notesSz cx="6858000" cy="9144000"/>
@@ -261,7 +268,7 @@
           <a:p>
             <a:fld id="{C20C4901-BF78-4450-8C22-6E0E9C4DFBAB}" type="datetimeFigureOut">
               <a:rPr lang="en-IL" smtClean="0"/>
-              <a:t>16/10/2023</a:t>
+              <a:t>14/12/2024</a:t>
             </a:fld>
             <a:endParaRPr lang="en-IL"/>
           </a:p>
@@ -461,7 +468,7 @@
           <a:p>
             <a:fld id="{C20C4901-BF78-4450-8C22-6E0E9C4DFBAB}" type="datetimeFigureOut">
               <a:rPr lang="en-IL" smtClean="0"/>
-              <a:t>16/10/2023</a:t>
+              <a:t>14/12/2024</a:t>
             </a:fld>
             <a:endParaRPr lang="en-IL"/>
           </a:p>
@@ -671,7 +678,7 @@
           <a:p>
             <a:fld id="{C20C4901-BF78-4450-8C22-6E0E9C4DFBAB}" type="datetimeFigureOut">
               <a:rPr lang="en-IL" smtClean="0"/>
-              <a:t>16/10/2023</a:t>
+              <a:t>14/12/2024</a:t>
             </a:fld>
             <a:endParaRPr lang="en-IL"/>
           </a:p>
@@ -871,7 +878,7 @@
           <a:p>
             <a:fld id="{C20C4901-BF78-4450-8C22-6E0E9C4DFBAB}" type="datetimeFigureOut">
               <a:rPr lang="en-IL" smtClean="0"/>
-              <a:t>16/10/2023</a:t>
+              <a:t>14/12/2024</a:t>
             </a:fld>
             <a:endParaRPr lang="en-IL"/>
           </a:p>
@@ -1147,7 +1154,7 @@
           <a:p>
             <a:fld id="{C20C4901-BF78-4450-8C22-6E0E9C4DFBAB}" type="datetimeFigureOut">
               <a:rPr lang="en-IL" smtClean="0"/>
-              <a:t>16/10/2023</a:t>
+              <a:t>14/12/2024</a:t>
             </a:fld>
             <a:endParaRPr lang="en-IL"/>
           </a:p>
@@ -1415,7 +1422,7 @@
           <a:p>
             <a:fld id="{C20C4901-BF78-4450-8C22-6E0E9C4DFBAB}" type="datetimeFigureOut">
               <a:rPr lang="en-IL" smtClean="0"/>
-              <a:t>16/10/2023</a:t>
+              <a:t>14/12/2024</a:t>
             </a:fld>
             <a:endParaRPr lang="en-IL"/>
           </a:p>
@@ -1830,7 +1837,7 @@
           <a:p>
             <a:fld id="{C20C4901-BF78-4450-8C22-6E0E9C4DFBAB}" type="datetimeFigureOut">
               <a:rPr lang="en-IL" smtClean="0"/>
-              <a:t>16/10/2023</a:t>
+              <a:t>14/12/2024</a:t>
             </a:fld>
             <a:endParaRPr lang="en-IL"/>
           </a:p>
@@ -1972,7 +1979,7 @@
           <a:p>
             <a:fld id="{C20C4901-BF78-4450-8C22-6E0E9C4DFBAB}" type="datetimeFigureOut">
               <a:rPr lang="en-IL" smtClean="0"/>
-              <a:t>16/10/2023</a:t>
+              <a:t>14/12/2024</a:t>
             </a:fld>
             <a:endParaRPr lang="en-IL"/>
           </a:p>
@@ -2085,7 +2092,7 @@
           <a:p>
             <a:fld id="{C20C4901-BF78-4450-8C22-6E0E9C4DFBAB}" type="datetimeFigureOut">
               <a:rPr lang="en-IL" smtClean="0"/>
-              <a:t>16/10/2023</a:t>
+              <a:t>14/12/2024</a:t>
             </a:fld>
             <a:endParaRPr lang="en-IL"/>
           </a:p>
@@ -2398,7 +2405,7 @@
           <a:p>
             <a:fld id="{C20C4901-BF78-4450-8C22-6E0E9C4DFBAB}" type="datetimeFigureOut">
               <a:rPr lang="en-IL" smtClean="0"/>
-              <a:t>16/10/2023</a:t>
+              <a:t>14/12/2024</a:t>
             </a:fld>
             <a:endParaRPr lang="en-IL"/>
           </a:p>
@@ -2687,7 +2694,7 @@
           <a:p>
             <a:fld id="{C20C4901-BF78-4450-8C22-6E0E9C4DFBAB}" type="datetimeFigureOut">
               <a:rPr lang="en-IL" smtClean="0"/>
-              <a:t>16/10/2023</a:t>
+              <a:t>14/12/2024</a:t>
             </a:fld>
             <a:endParaRPr lang="en-IL"/>
           </a:p>
@@ -2930,7 +2937,7 @@
           <a:p>
             <a:fld id="{C20C4901-BF78-4450-8C22-6E0E9C4DFBAB}" type="datetimeFigureOut">
               <a:rPr lang="en-IL" smtClean="0"/>
-              <a:t>16/10/2023</a:t>
+              <a:t>14/12/2024</a:t>
             </a:fld>
             <a:endParaRPr lang="en-IL"/>
           </a:p>
@@ -4739,10 +4746,10 @@
       </p:sp>
       <p:sp>
         <p:nvSpPr>
-          <p:cNvPr id="1048" name="TextBox 1047">
-            <a:extLst>
-              <a:ext uri="{FF2B5EF4-FFF2-40B4-BE49-F238E27FC236}">
-                <a16:creationId xmlns:a16="http://schemas.microsoft.com/office/drawing/2014/main" id="{57903C4B-C829-6FBB-125F-7747F021E2AD}"/>
+          <p:cNvPr id="1051" name="TextBox 1050">
+            <a:extLst>
+              <a:ext uri="{FF2B5EF4-FFF2-40B4-BE49-F238E27FC236}">
+                <a16:creationId xmlns:a16="http://schemas.microsoft.com/office/drawing/2014/main" id="{C5748FA7-E16F-866C-EEDF-31BFD6548B79}"/>
               </a:ext>
             </a:extLst>
           </p:cNvPr>
@@ -4751,8 +4758,8 @@
         </p:nvSpPr>
         <p:spPr>
           <a:xfrm>
-            <a:off x="870564" y="406908"/>
-            <a:ext cx="1548822" cy="369332"/>
+            <a:off x="754854" y="429768"/>
+            <a:ext cx="1688346" cy="1200329"/>
           </a:xfrm>
           <a:prstGeom prst="rect">
             <a:avLst/>
@@ -4765,76 +4772,17 @@
           </a:bodyPr>
           <a:lstStyle/>
           <a:p>
-            <a:r>
-              <a:rPr lang="he-IL" dirty="0"/>
-              <a:t>לסרטון הרכבה:</a:t>
-            </a:r>
-            <a:endParaRPr lang="en-IL" dirty="0"/>
-          </a:p>
-        </p:txBody>
-      </p:sp>
-      <p:pic>
-        <p:nvPicPr>
-          <p:cNvPr id="1050" name="Picture 1049">
-            <a:extLst>
-              <a:ext uri="{FF2B5EF4-FFF2-40B4-BE49-F238E27FC236}">
-                <a16:creationId xmlns:a16="http://schemas.microsoft.com/office/drawing/2014/main" id="{D6B38A4B-5FD1-4F46-C09E-302B0DEE019C}"/>
-              </a:ext>
-            </a:extLst>
-          </p:cNvPr>
-          <p:cNvPicPr>
-            <a:picLocks noChangeAspect="1"/>
-          </p:cNvPicPr>
-          <p:nvPr/>
-        </p:nvPicPr>
-        <p:blipFill>
-          <a:blip r:embed="rId6"/>
-          <a:stretch>
-            <a:fillRect/>
-          </a:stretch>
-        </p:blipFill>
-        <p:spPr>
-          <a:xfrm>
-            <a:off x="673982" y="765372"/>
-            <a:ext cx="2007243" cy="1904991"/>
-          </a:xfrm>
-          <a:prstGeom prst="rect">
-            <a:avLst/>
-          </a:prstGeom>
-        </p:spPr>
-      </p:pic>
-      <p:sp>
-        <p:nvSpPr>
-          <p:cNvPr id="1051" name="TextBox 1050">
-            <a:extLst>
-              <a:ext uri="{FF2B5EF4-FFF2-40B4-BE49-F238E27FC236}">
-                <a16:creationId xmlns:a16="http://schemas.microsoft.com/office/drawing/2014/main" id="{C5748FA7-E16F-866C-EEDF-31BFD6548B79}"/>
-              </a:ext>
-            </a:extLst>
-          </p:cNvPr>
-          <p:cNvSpPr txBox="1"/>
-          <p:nvPr/>
-        </p:nvSpPr>
-        <p:spPr>
-          <a:xfrm>
-            <a:off x="295580" y="3107770"/>
-            <a:ext cx="2308645" cy="1477328"/>
-          </a:xfrm>
-          <a:prstGeom prst="rect">
-            <a:avLst/>
-          </a:prstGeom>
-          <a:noFill/>
-        </p:spPr>
-        <p:txBody>
-          <a:bodyPr wrap="none" rtlCol="0">
-            <a:spAutoFit/>
-          </a:bodyPr>
-          <a:lstStyle/>
-          <a:p>
             <a:pPr algn="r" rtl="1"/>
             <a:r>
               <a:rPr lang="he-IL" b="1" dirty="0"/>
-              <a:t>לקורס תכנות </a:t>
+              <a:t>לסרטון הדרכה,</a:t>
+            </a:r>
+          </a:p>
+          <a:p>
+            <a:pPr algn="r" rtl="1"/>
+            <a:r>
+              <a:rPr lang="he-IL" b="1" dirty="0"/>
+              <a:t>ולקורס תכנות </a:t>
             </a:r>
             <a:br>
               <a:rPr lang="en-US" b="1" dirty="0"/>
@@ -4846,27 +4794,7 @@
             <a:br>
               <a:rPr lang="en-US" b="1" dirty="0"/>
             </a:br>
-            <a:r>
-              <a:rPr lang="en-US" dirty="0">
-                <a:hlinkClick r:id="rId7"/>
-              </a:rPr>
-              <a:t>www.matazim.co.il</a:t>
-            </a:r>
             <a:endParaRPr lang="en-US" dirty="0"/>
-          </a:p>
-          <a:p>
-            <a:pPr algn="r" rtl="1"/>
-            <a:r>
-              <a:rPr lang="he-IL" dirty="0"/>
-              <a:t>הרשמו וחפשו את קורס </a:t>
-            </a:r>
-          </a:p>
-          <a:p>
-            <a:pPr algn="r" rtl="1"/>
-            <a:r>
-              <a:rPr lang="en-US" dirty="0"/>
-              <a:t>Single button game</a:t>
-            </a:r>
           </a:p>
         </p:txBody>
       </p:sp>
@@ -4920,12 +4848,3501 @@
         </p:nvCxnSpPr>
         <p:spPr>
           <a:xfrm>
-            <a:off x="295580" y="2880360"/>
+            <a:off x="356929" y="3498507"/>
             <a:ext cx="2484196" cy="0"/>
           </a:xfrm>
           <a:prstGeom prst="line">
             <a:avLst/>
           </a:prstGeom>
+        </p:spPr>
+        <p:style>
+          <a:lnRef idx="1">
+            <a:schemeClr val="accent1"/>
+          </a:lnRef>
+          <a:fillRef idx="0">
+            <a:schemeClr val="accent1"/>
+          </a:fillRef>
+          <a:effectRef idx="0">
+            <a:schemeClr val="accent1"/>
+          </a:effectRef>
+          <a:fontRef idx="minor">
+            <a:schemeClr val="tx1"/>
+          </a:fontRef>
+        </p:style>
+      </p:cxnSp>
+      <p:sp>
+        <p:nvSpPr>
+          <p:cNvPr id="2" name="TextBox 1">
+            <a:extLst>
+              <a:ext uri="{FF2B5EF4-FFF2-40B4-BE49-F238E27FC236}">
+                <a16:creationId xmlns:a16="http://schemas.microsoft.com/office/drawing/2014/main" id="{D014D694-482F-1A63-C923-581ACDEC0948}"/>
+              </a:ext>
+            </a:extLst>
+          </p:cNvPr>
+          <p:cNvSpPr txBox="1"/>
+          <p:nvPr/>
+        </p:nvSpPr>
+        <p:spPr>
+          <a:xfrm>
+            <a:off x="99817" y="3676542"/>
+            <a:ext cx="2832442" cy="338554"/>
+          </a:xfrm>
+          <a:prstGeom prst="rect">
+            <a:avLst/>
+          </a:prstGeom>
+          <a:noFill/>
+        </p:spPr>
+        <p:txBody>
+          <a:bodyPr wrap="none" rtlCol="0">
+            <a:spAutoFit/>
+          </a:bodyPr>
+          <a:lstStyle/>
+          <a:p>
+            <a:pPr algn="r" rtl="1"/>
+            <a:r>
+              <a:rPr lang="en-US" sz="1600" b="1" dirty="0">
+                <a:hlinkClick r:id="rId6"/>
+              </a:rPr>
+              <a:t>https://bit.ly/intelplay-training</a:t>
+            </a:r>
+            <a:endParaRPr lang="en-US" sz="1600" dirty="0"/>
+          </a:p>
+        </p:txBody>
+      </p:sp>
+      <p:sp>
+        <p:nvSpPr>
+          <p:cNvPr id="4" name="TextBox 3">
+            <a:extLst>
+              <a:ext uri="{FF2B5EF4-FFF2-40B4-BE49-F238E27FC236}">
+                <a16:creationId xmlns:a16="http://schemas.microsoft.com/office/drawing/2014/main" id="{FA85F5FF-A869-A7D6-0784-2D1E78CBA706}"/>
+              </a:ext>
+            </a:extLst>
+          </p:cNvPr>
+          <p:cNvSpPr txBox="1"/>
+          <p:nvPr/>
+        </p:nvSpPr>
+        <p:spPr>
+          <a:xfrm>
+            <a:off x="1181894" y="4257022"/>
+            <a:ext cx="1731628" cy="923330"/>
+          </a:xfrm>
+          <a:prstGeom prst="rect">
+            <a:avLst/>
+          </a:prstGeom>
+          <a:noFill/>
+        </p:spPr>
+        <p:txBody>
+          <a:bodyPr wrap="none" rtlCol="0">
+            <a:spAutoFit/>
+          </a:bodyPr>
+          <a:lstStyle/>
+          <a:p>
+            <a:pPr algn="r" rtl="1"/>
+            <a:r>
+              <a:rPr lang="he-IL" b="1" dirty="0"/>
+              <a:t>לקורסים נוספים:</a:t>
+            </a:r>
+          </a:p>
+          <a:p>
+            <a:pPr algn="r" rtl="1"/>
+            <a:r>
+              <a:rPr lang="en-US" b="1" dirty="0">
+                <a:hlinkClick r:id="rId7"/>
+              </a:rPr>
+              <a:t>matazim.co.il</a:t>
+            </a:r>
+            <a:br>
+              <a:rPr lang="en-US" b="1" dirty="0"/>
+            </a:br>
+            <a:endParaRPr lang="en-US" dirty="0"/>
+          </a:p>
+        </p:txBody>
+      </p:sp>
+      <p:pic>
+        <p:nvPicPr>
+          <p:cNvPr id="6" name="Picture 5" descr="A qr code on a white background&#10;&#10;Description automatically generated">
+            <a:extLst>
+              <a:ext uri="{FF2B5EF4-FFF2-40B4-BE49-F238E27FC236}">
+                <a16:creationId xmlns:a16="http://schemas.microsoft.com/office/drawing/2014/main" id="{4D168D0D-AD3B-2A64-7F9F-A5E06D676F31}"/>
+              </a:ext>
+            </a:extLst>
+          </p:cNvPr>
+          <p:cNvPicPr>
+            <a:picLocks noChangeAspect="1"/>
+          </p:cNvPicPr>
+          <p:nvPr/>
+        </p:nvPicPr>
+        <p:blipFill>
+          <a:blip r:embed="rId8">
+            <a:extLst>
+              <a:ext uri="{28A0092B-C50C-407E-A947-70E740481C1C}">
+                <a14:useLocalDpi xmlns:a14="http://schemas.microsoft.com/office/drawing/2010/main" val="0"/>
+              </a:ext>
+            </a:extLst>
+          </a:blip>
+          <a:stretch>
+            <a:fillRect/>
+          </a:stretch>
+        </p:blipFill>
+        <p:spPr>
+          <a:xfrm>
+            <a:off x="862289" y="1394245"/>
+            <a:ext cx="1487226" cy="1920752"/>
+          </a:xfrm>
+          <a:prstGeom prst="rect">
+            <a:avLst/>
+          </a:prstGeom>
+        </p:spPr>
+      </p:pic>
+    </p:spTree>
+    <p:extLst>
+      <p:ext uri="{BB962C8B-B14F-4D97-AF65-F5344CB8AC3E}">
+        <p14:creationId xmlns:p14="http://schemas.microsoft.com/office/powerpoint/2010/main" val="1557599398"/>
+      </p:ext>
+    </p:extLst>
+  </p:cSld>
+  <p:clrMapOvr>
+    <a:masterClrMapping/>
+  </p:clrMapOvr>
+</p:sld>
+</file>
+
+<file path=ppt/slides/slide2.xml><?xml version="1.0" encoding="utf-8"?>
+<p:sld xmlns:a="http://schemas.openxmlformats.org/drawingml/2006/main" xmlns:r="http://schemas.openxmlformats.org/officeDocument/2006/relationships" xmlns:p="http://schemas.openxmlformats.org/presentationml/2006/main">
+  <p:cSld>
+    <p:spTree>
+      <p:nvGrpSpPr>
+        <p:cNvPr id="1" name=""/>
+        <p:cNvGrpSpPr/>
+        <p:nvPr/>
+      </p:nvGrpSpPr>
+      <p:grpSpPr>
+        <a:xfrm>
+          <a:off x="0" y="0"/>
+          <a:ext cx="0" cy="0"/>
+          <a:chOff x="0" y="0"/>
+          <a:chExt cx="0" cy="0"/>
+        </a:xfrm>
+      </p:grpSpPr>
+      <p:sp>
+        <p:nvSpPr>
+          <p:cNvPr id="2" name="Title 1">
+            <a:extLst>
+              <a:ext uri="{FF2B5EF4-FFF2-40B4-BE49-F238E27FC236}">
+                <a16:creationId xmlns:a16="http://schemas.microsoft.com/office/drawing/2014/main" id="{095A2EBD-BBA0-F04C-BD30-D1ACC16B67BC}"/>
+              </a:ext>
+            </a:extLst>
+          </p:cNvPr>
+          <p:cNvSpPr>
+            <a:spLocks noGrp="1"/>
+          </p:cNvSpPr>
+          <p:nvPr>
+            <p:ph type="ctrTitle"/>
+          </p:nvPr>
+        </p:nvSpPr>
+        <p:spPr/>
+        <p:txBody>
+          <a:bodyPr/>
+          <a:lstStyle/>
+          <a:p>
+            <a:r>
+              <a:rPr lang="en-US" dirty="0"/>
+              <a:t>ESP32 Micro Python</a:t>
+            </a:r>
+            <a:endParaRPr lang="en-IL" dirty="0"/>
+          </a:p>
+        </p:txBody>
+      </p:sp>
+      <p:sp>
+        <p:nvSpPr>
+          <p:cNvPr id="3" name="Subtitle 2">
+            <a:extLst>
+              <a:ext uri="{FF2B5EF4-FFF2-40B4-BE49-F238E27FC236}">
+                <a16:creationId xmlns:a16="http://schemas.microsoft.com/office/drawing/2014/main" id="{9584CD3D-C6AF-1D48-F1A6-82F042766678}"/>
+              </a:ext>
+            </a:extLst>
+          </p:cNvPr>
+          <p:cNvSpPr>
+            <a:spLocks noGrp="1"/>
+          </p:cNvSpPr>
+          <p:nvPr>
+            <p:ph type="subTitle" idx="1"/>
+          </p:nvPr>
+        </p:nvSpPr>
+        <p:spPr/>
+        <p:txBody>
+          <a:bodyPr/>
+          <a:lstStyle/>
+          <a:p>
+            <a:r>
+              <a:rPr lang="en-US" dirty="0"/>
+              <a:t>Single button challenge</a:t>
+            </a:r>
+            <a:endParaRPr lang="en-IL" dirty="0"/>
+          </a:p>
+        </p:txBody>
+      </p:sp>
+    </p:spTree>
+    <p:extLst>
+      <p:ext uri="{BB962C8B-B14F-4D97-AF65-F5344CB8AC3E}">
+        <p14:creationId xmlns:p14="http://schemas.microsoft.com/office/powerpoint/2010/main" val="3128687371"/>
+      </p:ext>
+    </p:extLst>
+  </p:cSld>
+  <p:clrMapOvr>
+    <a:masterClrMapping/>
+  </p:clrMapOvr>
+</p:sld>
+</file>
+
+<file path=ppt/slides/slide3.xml><?xml version="1.0" encoding="utf-8"?>
+<p:sld xmlns:a="http://schemas.openxmlformats.org/drawingml/2006/main" xmlns:r="http://schemas.openxmlformats.org/officeDocument/2006/relationships" xmlns:p="http://schemas.openxmlformats.org/presentationml/2006/main">
+  <p:cSld>
+    <p:spTree>
+      <p:nvGrpSpPr>
+        <p:cNvPr id="1" name=""/>
+        <p:cNvGrpSpPr/>
+        <p:nvPr/>
+      </p:nvGrpSpPr>
+      <p:grpSpPr>
+        <a:xfrm>
+          <a:off x="0" y="0"/>
+          <a:ext cx="0" cy="0"/>
+          <a:chOff x="0" y="0"/>
+          <a:chExt cx="0" cy="0"/>
+        </a:xfrm>
+      </p:grpSpPr>
+      <p:sp>
+        <p:nvSpPr>
+          <p:cNvPr id="2" name="Title 1">
+            <a:extLst>
+              <a:ext uri="{FF2B5EF4-FFF2-40B4-BE49-F238E27FC236}">
+                <a16:creationId xmlns:a16="http://schemas.microsoft.com/office/drawing/2014/main" id="{DC6AB4AD-8EA5-35BD-85E5-2C411F73D380}"/>
+              </a:ext>
+            </a:extLst>
+          </p:cNvPr>
+          <p:cNvSpPr>
+            <a:spLocks noGrp="1"/>
+          </p:cNvSpPr>
+          <p:nvPr>
+            <p:ph type="title"/>
+          </p:nvPr>
+        </p:nvSpPr>
+        <p:spPr/>
+        <p:txBody>
+          <a:bodyPr/>
+          <a:lstStyle/>
+          <a:p>
+            <a:r>
+              <a:rPr lang="en-US" dirty="0"/>
+              <a:t>ESP32</a:t>
+            </a:r>
+            <a:endParaRPr lang="en-IL" dirty="0"/>
+          </a:p>
+        </p:txBody>
+      </p:sp>
+      <p:pic>
+        <p:nvPicPr>
+          <p:cNvPr id="4" name="Picture 2">
+            <a:extLst>
+              <a:ext uri="{FF2B5EF4-FFF2-40B4-BE49-F238E27FC236}">
+                <a16:creationId xmlns:a16="http://schemas.microsoft.com/office/drawing/2014/main" id="{D798888B-80FB-4945-7FF7-D046E99925CE}"/>
+              </a:ext>
+            </a:extLst>
+          </p:cNvPr>
+          <p:cNvPicPr>
+            <a:picLocks noChangeAspect="1" noChangeArrowheads="1"/>
+          </p:cNvPicPr>
+          <p:nvPr/>
+        </p:nvPicPr>
+        <p:blipFill>
+          <a:blip r:embed="rId2">
+            <a:extLst>
+              <a:ext uri="{28A0092B-C50C-407E-A947-70E740481C1C}">
+                <a14:useLocalDpi xmlns:a14="http://schemas.microsoft.com/office/drawing/2010/main" val="0"/>
+              </a:ext>
+            </a:extLst>
+          </a:blip>
+          <a:srcRect/>
+          <a:stretch>
+            <a:fillRect/>
+          </a:stretch>
+        </p:blipFill>
+        <p:spPr bwMode="auto">
+          <a:xfrm>
+            <a:off x="2468880" y="1690688"/>
+            <a:ext cx="6287516" cy="3884180"/>
+          </a:xfrm>
+          <a:prstGeom prst="rect">
+            <a:avLst/>
+          </a:prstGeom>
+          <a:noFill/>
+          <a:extLst>
+            <a:ext uri="{909E8E84-426E-40DD-AFC4-6F175D3DCCD1}">
+              <a14:hiddenFill xmlns:a14="http://schemas.microsoft.com/office/drawing/2010/main">
+                <a:solidFill>
+                  <a:srgbClr val="FFFFFF"/>
+                </a:solidFill>
+              </a14:hiddenFill>
+            </a:ext>
+          </a:extLst>
+        </p:spPr>
+      </p:pic>
+    </p:spTree>
+    <p:extLst>
+      <p:ext uri="{BB962C8B-B14F-4D97-AF65-F5344CB8AC3E}">
+        <p14:creationId xmlns:p14="http://schemas.microsoft.com/office/powerpoint/2010/main" val="4118516451"/>
+      </p:ext>
+    </p:extLst>
+  </p:cSld>
+  <p:clrMapOvr>
+    <a:masterClrMapping/>
+  </p:clrMapOvr>
+</p:sld>
+</file>
+
+<file path=ppt/slides/slide4.xml><?xml version="1.0" encoding="utf-8"?>
+<p:sld xmlns:a="http://schemas.openxmlformats.org/drawingml/2006/main" xmlns:r="http://schemas.openxmlformats.org/officeDocument/2006/relationships" xmlns:p="http://schemas.openxmlformats.org/presentationml/2006/main">
+  <p:cSld>
+    <p:spTree>
+      <p:nvGrpSpPr>
+        <p:cNvPr id="1" name=""/>
+        <p:cNvGrpSpPr/>
+        <p:nvPr/>
+      </p:nvGrpSpPr>
+      <p:grpSpPr>
+        <a:xfrm>
+          <a:off x="0" y="0"/>
+          <a:ext cx="0" cy="0"/>
+          <a:chOff x="0" y="0"/>
+          <a:chExt cx="0" cy="0"/>
+        </a:xfrm>
+      </p:grpSpPr>
+      <p:sp>
+        <p:nvSpPr>
+          <p:cNvPr id="2" name="Title 1">
+            <a:extLst>
+              <a:ext uri="{FF2B5EF4-FFF2-40B4-BE49-F238E27FC236}">
+                <a16:creationId xmlns:a16="http://schemas.microsoft.com/office/drawing/2014/main" id="{9BCEE596-F0A6-10D2-80DE-87BBC9A6DF1E}"/>
+              </a:ext>
+            </a:extLst>
+          </p:cNvPr>
+          <p:cNvSpPr>
+            <a:spLocks noGrp="1"/>
+          </p:cNvSpPr>
+          <p:nvPr>
+            <p:ph type="title"/>
+          </p:nvPr>
+        </p:nvSpPr>
+        <p:spPr/>
+        <p:txBody>
+          <a:bodyPr/>
+          <a:lstStyle/>
+          <a:p>
+            <a:r>
+              <a:rPr lang="en-US" dirty="0"/>
+              <a:t>Our project</a:t>
+            </a:r>
+            <a:endParaRPr lang="en-IL" dirty="0"/>
+          </a:p>
+        </p:txBody>
+      </p:sp>
+      <p:pic>
+        <p:nvPicPr>
+          <p:cNvPr id="1026" name="Picture 4">
+            <a:extLst>
+              <a:ext uri="{FF2B5EF4-FFF2-40B4-BE49-F238E27FC236}">
+                <a16:creationId xmlns:a16="http://schemas.microsoft.com/office/drawing/2014/main" id="{38B54413-2062-1E0B-6725-7155FCF59C02}"/>
+              </a:ext>
+            </a:extLst>
+          </p:cNvPr>
+          <p:cNvPicPr>
+            <a:picLocks noChangeAspect="1" noChangeArrowheads="1"/>
+          </p:cNvPicPr>
+          <p:nvPr/>
+        </p:nvPicPr>
+        <p:blipFill>
+          <a:blip r:embed="rId2">
+            <a:extLst>
+              <a:ext uri="{28A0092B-C50C-407E-A947-70E740481C1C}">
+                <a14:useLocalDpi xmlns:a14="http://schemas.microsoft.com/office/drawing/2010/main" val="0"/>
+              </a:ext>
+            </a:extLst>
+          </a:blip>
+          <a:srcRect/>
+          <a:stretch>
+            <a:fillRect/>
+          </a:stretch>
+        </p:blipFill>
+        <p:spPr bwMode="auto">
+          <a:xfrm>
+            <a:off x="123636" y="595060"/>
+            <a:ext cx="5253440" cy="5229668"/>
+          </a:xfrm>
+          <a:prstGeom prst="rect">
+            <a:avLst/>
+          </a:prstGeom>
+          <a:noFill/>
+          <a:ln>
+            <a:noFill/>
+          </a:ln>
+          <a:extLst>
+            <a:ext uri="{909E8E84-426E-40DD-AFC4-6F175D3DCCD1}">
+              <a14:hiddenFill xmlns:a14="http://schemas.microsoft.com/office/drawing/2010/main">
+                <a:solidFill>
+                  <a:srgbClr val="FFFFFF"/>
+                </a:solidFill>
+              </a14:hiddenFill>
+            </a:ext>
+            <a:ext uri="{91240B29-F687-4F45-9708-019B960494DF}">
+              <a14:hiddenLine xmlns:a14="http://schemas.microsoft.com/office/drawing/2010/main" w="9525">
+                <a:solidFill>
+                  <a:srgbClr val="000000"/>
+                </a:solidFill>
+                <a:miter lim="800000"/>
+                <a:headEnd/>
+                <a:tailEnd/>
+              </a14:hiddenLine>
+            </a:ext>
+          </a:extLst>
+        </p:spPr>
+      </p:pic>
+      <p:pic>
+        <p:nvPicPr>
+          <p:cNvPr id="4" name="Picture 3">
+            <a:extLst>
+              <a:ext uri="{FF2B5EF4-FFF2-40B4-BE49-F238E27FC236}">
+                <a16:creationId xmlns:a16="http://schemas.microsoft.com/office/drawing/2014/main" id="{86EF53CB-5183-9181-657F-C8F2B7750F4E}"/>
+              </a:ext>
+            </a:extLst>
+          </p:cNvPr>
+          <p:cNvPicPr>
+            <a:picLocks noChangeAspect="1"/>
+          </p:cNvPicPr>
+          <p:nvPr/>
+        </p:nvPicPr>
+        <p:blipFill rotWithShape="1">
+          <a:blip r:embed="rId3"/>
+          <a:srcRect b="37404"/>
+          <a:stretch/>
+        </p:blipFill>
+        <p:spPr>
+          <a:xfrm>
+            <a:off x="6976581" y="701283"/>
+            <a:ext cx="4602098" cy="1617044"/>
+          </a:xfrm>
+          <a:prstGeom prst="rect">
+            <a:avLst/>
+          </a:prstGeom>
+        </p:spPr>
+      </p:pic>
+      <p:cxnSp>
+        <p:nvCxnSpPr>
+          <p:cNvPr id="6" name="Straight Arrow Connector 5">
+            <a:extLst>
+              <a:ext uri="{FF2B5EF4-FFF2-40B4-BE49-F238E27FC236}">
+                <a16:creationId xmlns:a16="http://schemas.microsoft.com/office/drawing/2014/main" id="{979B9FE4-CB3F-EABE-50B4-C4C4035AF2C3}"/>
+              </a:ext>
+            </a:extLst>
+          </p:cNvPr>
+          <p:cNvCxnSpPr>
+            <a:cxnSpLocks/>
+          </p:cNvCxnSpPr>
+          <p:nvPr/>
+        </p:nvCxnSpPr>
+        <p:spPr>
+          <a:xfrm>
+            <a:off x="5751576" y="1266635"/>
+            <a:ext cx="2295144" cy="0"/>
+          </a:xfrm>
+          <a:prstGeom prst="straightConnector1">
+            <a:avLst/>
+          </a:prstGeom>
+          <a:ln>
+            <a:tailEnd type="triangle"/>
+          </a:ln>
+        </p:spPr>
+        <p:style>
+          <a:lnRef idx="1">
+            <a:schemeClr val="dk1"/>
+          </a:lnRef>
+          <a:fillRef idx="0">
+            <a:schemeClr val="dk1"/>
+          </a:fillRef>
+          <a:effectRef idx="0">
+            <a:schemeClr val="dk1"/>
+          </a:effectRef>
+          <a:fontRef idx="minor">
+            <a:schemeClr val="tx1"/>
+          </a:fontRef>
+        </p:style>
+      </p:cxnSp>
+      <p:sp>
+        <p:nvSpPr>
+          <p:cNvPr id="7" name="TextBox 6">
+            <a:extLst>
+              <a:ext uri="{FF2B5EF4-FFF2-40B4-BE49-F238E27FC236}">
+                <a16:creationId xmlns:a16="http://schemas.microsoft.com/office/drawing/2014/main" id="{EE4CF622-CB1D-BD8C-A79B-7A74C6DB24ED}"/>
+              </a:ext>
+            </a:extLst>
+          </p:cNvPr>
+          <p:cNvSpPr txBox="1"/>
+          <p:nvPr/>
+        </p:nvSpPr>
+        <p:spPr>
+          <a:xfrm>
+            <a:off x="5312664" y="1266635"/>
+            <a:ext cx="1663917" cy="369332"/>
+          </a:xfrm>
+          <a:prstGeom prst="rect">
+            <a:avLst/>
+          </a:prstGeom>
+          <a:noFill/>
+        </p:spPr>
+        <p:txBody>
+          <a:bodyPr wrap="none" rtlCol="0">
+            <a:spAutoFit/>
+          </a:bodyPr>
+          <a:lstStyle/>
+          <a:p>
+            <a:pPr marL="0" marR="0" lvl="0" indent="0" algn="l" defTabSz="914400" rtl="0" eaLnBrk="1" fontAlgn="auto" latinLnBrk="0" hangingPunct="1">
+              <a:lnSpc>
+                <a:spcPct val="100000"/>
+              </a:lnSpc>
+              <a:spcBef>
+                <a:spcPts val="0"/>
+              </a:spcBef>
+              <a:spcAft>
+                <a:spcPts val="0"/>
+              </a:spcAft>
+              <a:buClrTx/>
+              <a:buSzTx/>
+              <a:buFontTx/>
+              <a:buNone/>
+              <a:tabLst/>
+              <a:defRPr/>
+            </a:pPr>
+            <a:r>
+              <a:rPr kumimoji="0" lang="en-US" sz="1800" b="0" i="0" u="none" strike="noStrike" kern="1200" cap="none" spc="0" normalizeH="0" baseline="0" noProof="0" dirty="0">
+                <a:ln>
+                  <a:noFill/>
+                </a:ln>
+                <a:solidFill>
+                  <a:prstClr val="black"/>
+                </a:solidFill>
+                <a:effectLst/>
+                <a:uLnTx/>
+                <a:uFillTx/>
+                <a:latin typeface="Calibri" panose="020F0502020204030204"/>
+                <a:ea typeface="+mn-ea"/>
+                <a:cs typeface="+mn-cs"/>
+              </a:rPr>
+              <a:t>USB connection</a:t>
+            </a:r>
+            <a:endParaRPr kumimoji="0" lang="en-IL" sz="1800" b="0" i="0" u="none" strike="noStrike" kern="1200" cap="none" spc="0" normalizeH="0" baseline="0" noProof="0" dirty="0">
+              <a:ln>
+                <a:noFill/>
+              </a:ln>
+              <a:solidFill>
+                <a:prstClr val="black"/>
+              </a:solidFill>
+              <a:effectLst/>
+              <a:uLnTx/>
+              <a:uFillTx/>
+              <a:latin typeface="Calibri" panose="020F0502020204030204"/>
+              <a:ea typeface="+mn-ea"/>
+              <a:cs typeface="+mn-cs"/>
+            </a:endParaRPr>
+          </a:p>
+        </p:txBody>
+      </p:sp>
+      <p:cxnSp>
+        <p:nvCxnSpPr>
+          <p:cNvPr id="8" name="Straight Arrow Connector 7">
+            <a:extLst>
+              <a:ext uri="{FF2B5EF4-FFF2-40B4-BE49-F238E27FC236}">
+                <a16:creationId xmlns:a16="http://schemas.microsoft.com/office/drawing/2014/main" id="{A03E88C8-6064-AD34-FB82-4C5E9FDCFF46}"/>
+              </a:ext>
+            </a:extLst>
+          </p:cNvPr>
+          <p:cNvCxnSpPr>
+            <a:cxnSpLocks/>
+            <a:stCxn id="10" idx="0"/>
+          </p:cNvCxnSpPr>
+          <p:nvPr/>
+        </p:nvCxnSpPr>
+        <p:spPr>
+          <a:xfrm flipV="1">
+            <a:off x="6459773" y="1504379"/>
+            <a:ext cx="1714963" cy="521064"/>
+          </a:xfrm>
+          <a:prstGeom prst="straightConnector1">
+            <a:avLst/>
+          </a:prstGeom>
+          <a:ln>
+            <a:tailEnd type="triangle"/>
+          </a:ln>
+        </p:spPr>
+        <p:style>
+          <a:lnRef idx="1">
+            <a:schemeClr val="dk1"/>
+          </a:lnRef>
+          <a:fillRef idx="0">
+            <a:schemeClr val="dk1"/>
+          </a:fillRef>
+          <a:effectRef idx="0">
+            <a:schemeClr val="dk1"/>
+          </a:effectRef>
+          <a:fontRef idx="minor">
+            <a:schemeClr val="tx1"/>
+          </a:fontRef>
+        </p:style>
+      </p:cxnSp>
+      <p:sp>
+        <p:nvSpPr>
+          <p:cNvPr id="10" name="TextBox 9">
+            <a:extLst>
+              <a:ext uri="{FF2B5EF4-FFF2-40B4-BE49-F238E27FC236}">
+                <a16:creationId xmlns:a16="http://schemas.microsoft.com/office/drawing/2014/main" id="{78E7D316-FDAF-58B0-9ADF-58AA9B0C91D0}"/>
+              </a:ext>
+            </a:extLst>
+          </p:cNvPr>
+          <p:cNvSpPr txBox="1"/>
+          <p:nvPr/>
+        </p:nvSpPr>
+        <p:spPr>
+          <a:xfrm>
+            <a:off x="6144622" y="2025443"/>
+            <a:ext cx="630301" cy="369332"/>
+          </a:xfrm>
+          <a:prstGeom prst="rect">
+            <a:avLst/>
+          </a:prstGeom>
+          <a:noFill/>
+        </p:spPr>
+        <p:txBody>
+          <a:bodyPr wrap="none" rtlCol="0">
+            <a:spAutoFit/>
+          </a:bodyPr>
+          <a:lstStyle/>
+          <a:p>
+            <a:pPr marL="0" marR="0" lvl="0" indent="0" algn="l" defTabSz="914400" rtl="0" eaLnBrk="1" fontAlgn="auto" latinLnBrk="0" hangingPunct="1">
+              <a:lnSpc>
+                <a:spcPct val="100000"/>
+              </a:lnSpc>
+              <a:spcBef>
+                <a:spcPts val="0"/>
+              </a:spcBef>
+              <a:spcAft>
+                <a:spcPts val="0"/>
+              </a:spcAft>
+              <a:buClrTx/>
+              <a:buSzTx/>
+              <a:buFontTx/>
+              <a:buNone/>
+              <a:tabLst/>
+              <a:defRPr/>
+            </a:pPr>
+            <a:r>
+              <a:rPr kumimoji="0" lang="en-US" sz="1800" b="0" i="0" u="none" strike="noStrike" kern="1200" cap="none" spc="0" normalizeH="0" baseline="0" noProof="0" dirty="0">
+                <a:ln>
+                  <a:noFill/>
+                </a:ln>
+                <a:solidFill>
+                  <a:prstClr val="black"/>
+                </a:solidFill>
+                <a:effectLst/>
+                <a:uLnTx/>
+                <a:uFillTx/>
+                <a:latin typeface="Calibri" panose="020F0502020204030204"/>
+                <a:ea typeface="+mn-ea"/>
+                <a:cs typeface="+mn-cs"/>
+              </a:rPr>
+              <a:t>Boot</a:t>
+            </a:r>
+            <a:endParaRPr kumimoji="0" lang="en-IL" sz="1800" b="0" i="0" u="none" strike="noStrike" kern="1200" cap="none" spc="0" normalizeH="0" baseline="0" noProof="0" dirty="0">
+              <a:ln>
+                <a:noFill/>
+              </a:ln>
+              <a:solidFill>
+                <a:prstClr val="black"/>
+              </a:solidFill>
+              <a:effectLst/>
+              <a:uLnTx/>
+              <a:uFillTx/>
+              <a:latin typeface="Calibri" panose="020F0502020204030204"/>
+              <a:ea typeface="+mn-ea"/>
+              <a:cs typeface="+mn-cs"/>
+            </a:endParaRPr>
+          </a:p>
+        </p:txBody>
+      </p:sp>
+      <p:cxnSp>
+        <p:nvCxnSpPr>
+          <p:cNvPr id="11" name="Straight Arrow Connector 10">
+            <a:extLst>
+              <a:ext uri="{FF2B5EF4-FFF2-40B4-BE49-F238E27FC236}">
+                <a16:creationId xmlns:a16="http://schemas.microsoft.com/office/drawing/2014/main" id="{236A00C4-9675-AEB9-83F7-96469CDC58EC}"/>
+              </a:ext>
+            </a:extLst>
+          </p:cNvPr>
+          <p:cNvCxnSpPr>
+            <a:cxnSpLocks/>
+          </p:cNvCxnSpPr>
+          <p:nvPr/>
+        </p:nvCxnSpPr>
+        <p:spPr>
+          <a:xfrm>
+            <a:off x="5343307" y="126077"/>
+            <a:ext cx="4358477" cy="459434"/>
+          </a:xfrm>
+          <a:prstGeom prst="straightConnector1">
+            <a:avLst/>
+          </a:prstGeom>
+          <a:ln>
+            <a:tailEnd type="triangle"/>
+          </a:ln>
+        </p:spPr>
+        <p:style>
+          <a:lnRef idx="1">
+            <a:schemeClr val="dk1"/>
+          </a:lnRef>
+          <a:fillRef idx="0">
+            <a:schemeClr val="dk1"/>
+          </a:fillRef>
+          <a:effectRef idx="0">
+            <a:schemeClr val="dk1"/>
+          </a:effectRef>
+          <a:fontRef idx="minor">
+            <a:schemeClr val="tx1"/>
+          </a:fontRef>
+        </p:style>
+      </p:cxnSp>
+      <p:sp>
+        <p:nvSpPr>
+          <p:cNvPr id="14" name="TextBox 13">
+            <a:extLst>
+              <a:ext uri="{FF2B5EF4-FFF2-40B4-BE49-F238E27FC236}">
+                <a16:creationId xmlns:a16="http://schemas.microsoft.com/office/drawing/2014/main" id="{17EC0A5E-A74E-1E6B-4A42-DE18A1428DE2}"/>
+              </a:ext>
+            </a:extLst>
+          </p:cNvPr>
+          <p:cNvSpPr txBox="1"/>
+          <p:nvPr/>
+        </p:nvSpPr>
+        <p:spPr>
+          <a:xfrm>
+            <a:off x="5309650" y="211745"/>
+            <a:ext cx="1124475" cy="369332"/>
+          </a:xfrm>
+          <a:prstGeom prst="rect">
+            <a:avLst/>
+          </a:prstGeom>
+          <a:noFill/>
+        </p:spPr>
+        <p:txBody>
+          <a:bodyPr wrap="none" rtlCol="0">
+            <a:spAutoFit/>
+          </a:bodyPr>
+          <a:lstStyle/>
+          <a:p>
+            <a:pPr marL="0" marR="0" lvl="0" indent="0" algn="l" defTabSz="914400" rtl="0" eaLnBrk="1" fontAlgn="auto" latinLnBrk="0" hangingPunct="1">
+              <a:lnSpc>
+                <a:spcPct val="100000"/>
+              </a:lnSpc>
+              <a:spcBef>
+                <a:spcPts val="0"/>
+              </a:spcBef>
+              <a:spcAft>
+                <a:spcPts val="0"/>
+              </a:spcAft>
+              <a:buClrTx/>
+              <a:buSzTx/>
+              <a:buFontTx/>
+              <a:buNone/>
+              <a:tabLst/>
+              <a:defRPr/>
+            </a:pPr>
+            <a:r>
+              <a:rPr kumimoji="0" lang="en-US" sz="1800" b="0" i="0" u="none" strike="noStrike" kern="1200" cap="none" spc="0" normalizeH="0" baseline="0" noProof="0" dirty="0">
+                <a:ln>
+                  <a:noFill/>
+                </a:ln>
+                <a:solidFill>
+                  <a:prstClr val="black"/>
+                </a:solidFill>
+                <a:effectLst/>
+                <a:uLnTx/>
+                <a:uFillTx/>
+                <a:latin typeface="Calibri" panose="020F0502020204030204"/>
+                <a:ea typeface="+mn-ea"/>
+                <a:cs typeface="+mn-cs"/>
+              </a:rPr>
+              <a:t>Power Pin</a:t>
+            </a:r>
+            <a:endParaRPr kumimoji="0" lang="en-IL" sz="1800" b="0" i="0" u="none" strike="noStrike" kern="1200" cap="none" spc="0" normalizeH="0" baseline="0" noProof="0" dirty="0">
+              <a:ln>
+                <a:noFill/>
+              </a:ln>
+              <a:solidFill>
+                <a:prstClr val="black"/>
+              </a:solidFill>
+              <a:effectLst/>
+              <a:uLnTx/>
+              <a:uFillTx/>
+              <a:latin typeface="Calibri" panose="020F0502020204030204"/>
+              <a:ea typeface="+mn-ea"/>
+              <a:cs typeface="+mn-cs"/>
+            </a:endParaRPr>
+          </a:p>
+        </p:txBody>
+      </p:sp>
+      <p:pic>
+        <p:nvPicPr>
+          <p:cNvPr id="13" name="Picture 12">
+            <a:hlinkClick r:id="rId4"/>
+            <a:extLst>
+              <a:ext uri="{FF2B5EF4-FFF2-40B4-BE49-F238E27FC236}">
+                <a16:creationId xmlns:a16="http://schemas.microsoft.com/office/drawing/2014/main" id="{3478660F-6F14-C8CD-B256-6423ACB5627F}"/>
+              </a:ext>
+            </a:extLst>
+          </p:cNvPr>
+          <p:cNvPicPr>
+            <a:picLocks noChangeAspect="1"/>
+          </p:cNvPicPr>
+          <p:nvPr/>
+        </p:nvPicPr>
+        <p:blipFill>
+          <a:blip r:embed="rId5"/>
+          <a:stretch>
+            <a:fillRect/>
+          </a:stretch>
+        </p:blipFill>
+        <p:spPr>
+          <a:xfrm>
+            <a:off x="6808458" y="3121423"/>
+            <a:ext cx="5092133" cy="3413272"/>
+          </a:xfrm>
+          <a:prstGeom prst="rect">
+            <a:avLst/>
+          </a:prstGeom>
+        </p:spPr>
+      </p:pic>
+    </p:spTree>
+    <p:extLst>
+      <p:ext uri="{BB962C8B-B14F-4D97-AF65-F5344CB8AC3E}">
+        <p14:creationId xmlns:p14="http://schemas.microsoft.com/office/powerpoint/2010/main" val="3557715075"/>
+      </p:ext>
+    </p:extLst>
+  </p:cSld>
+  <p:clrMapOvr>
+    <a:masterClrMapping/>
+  </p:clrMapOvr>
+</p:sld>
+</file>
+
+<file path=ppt/slides/slide5.xml><?xml version="1.0" encoding="utf-8"?>
+<p:sld xmlns:a="http://schemas.openxmlformats.org/drawingml/2006/main" xmlns:r="http://schemas.openxmlformats.org/officeDocument/2006/relationships" xmlns:p="http://schemas.openxmlformats.org/presentationml/2006/main">
+  <p:cSld>
+    <p:spTree>
+      <p:nvGrpSpPr>
+        <p:cNvPr id="1" name=""/>
+        <p:cNvGrpSpPr/>
+        <p:nvPr/>
+      </p:nvGrpSpPr>
+      <p:grpSpPr>
+        <a:xfrm>
+          <a:off x="0" y="0"/>
+          <a:ext cx="0" cy="0"/>
+          <a:chOff x="0" y="0"/>
+          <a:chExt cx="0" cy="0"/>
+        </a:xfrm>
+      </p:grpSpPr>
+      <p:sp>
+        <p:nvSpPr>
+          <p:cNvPr id="2" name="Title 1">
+            <a:extLst>
+              <a:ext uri="{FF2B5EF4-FFF2-40B4-BE49-F238E27FC236}">
+                <a16:creationId xmlns:a16="http://schemas.microsoft.com/office/drawing/2014/main" id="{FD793B47-C786-CD10-00CD-1CF3777EF715}"/>
+              </a:ext>
+            </a:extLst>
+          </p:cNvPr>
+          <p:cNvSpPr>
+            <a:spLocks noGrp="1"/>
+          </p:cNvSpPr>
+          <p:nvPr>
+            <p:ph type="title"/>
+          </p:nvPr>
+        </p:nvSpPr>
+        <p:spPr/>
+        <p:txBody>
+          <a:bodyPr/>
+          <a:lstStyle/>
+          <a:p>
+            <a:endParaRPr lang="en-IL"/>
+          </a:p>
+        </p:txBody>
+      </p:sp>
+      <p:sp>
+        <p:nvSpPr>
+          <p:cNvPr id="3" name="Content Placeholder 2">
+            <a:extLst>
+              <a:ext uri="{FF2B5EF4-FFF2-40B4-BE49-F238E27FC236}">
+                <a16:creationId xmlns:a16="http://schemas.microsoft.com/office/drawing/2014/main" id="{EAC1CD78-79F5-AAAA-1327-01701B2D82AF}"/>
+              </a:ext>
+            </a:extLst>
+          </p:cNvPr>
+          <p:cNvSpPr>
+            <a:spLocks noGrp="1"/>
+          </p:cNvSpPr>
+          <p:nvPr>
+            <p:ph idx="1"/>
+          </p:nvPr>
+        </p:nvSpPr>
+        <p:spPr/>
+        <p:txBody>
+          <a:bodyPr/>
+          <a:lstStyle/>
+          <a:p>
+            <a:r>
+              <a:rPr lang="en-US" sz="1800" dirty="0">
+                <a:effectLst/>
+                <a:latin typeface="Aptos" panose="020B0004020202020204" pitchFamily="34" charset="0"/>
+                <a:ea typeface="Aptos" panose="020B0004020202020204" pitchFamily="34" charset="0"/>
+                <a:cs typeface="Aptos" panose="020B0004020202020204" pitchFamily="34" charset="0"/>
+              </a:rPr>
+              <a:t>Installation:</a:t>
+            </a:r>
+            <a:endParaRPr lang="en-IL" sz="1800" dirty="0">
+              <a:effectLst/>
+              <a:latin typeface="Aptos" panose="020B0004020202020204" pitchFamily="34" charset="0"/>
+              <a:ea typeface="Aptos" panose="020B0004020202020204" pitchFamily="34" charset="0"/>
+              <a:cs typeface="Aptos" panose="020B0004020202020204" pitchFamily="34" charset="0"/>
+            </a:endParaRPr>
+          </a:p>
+          <a:p>
+            <a:pPr marL="0" indent="0">
+              <a:buNone/>
+            </a:pPr>
+            <a:r>
+              <a:rPr lang="en-US" sz="1800" u="sng" dirty="0">
+                <a:solidFill>
+                  <a:srgbClr val="467886"/>
+                </a:solidFill>
+                <a:effectLst/>
+                <a:latin typeface="Aptos" panose="020B0004020202020204" pitchFamily="34" charset="0"/>
+                <a:ea typeface="Aptos" panose="020B0004020202020204" pitchFamily="34" charset="0"/>
+                <a:cs typeface="Aptos" panose="020B0004020202020204" pitchFamily="34" charset="0"/>
+                <a:hlinkClick r:id="rId2"/>
+              </a:rPr>
+              <a:t>https://bit.ly/intel-play</a:t>
+            </a:r>
+            <a:endParaRPr lang="en-IL" sz="1800" dirty="0">
+              <a:effectLst/>
+              <a:latin typeface="Aptos" panose="020B0004020202020204" pitchFamily="34" charset="0"/>
+              <a:ea typeface="Aptos" panose="020B0004020202020204" pitchFamily="34" charset="0"/>
+              <a:cs typeface="Aptos" panose="020B0004020202020204" pitchFamily="34" charset="0"/>
+            </a:endParaRPr>
+          </a:p>
+          <a:p>
+            <a:endParaRPr lang="en-IL" sz="1800" dirty="0">
+              <a:effectLst/>
+              <a:latin typeface="Aptos" panose="020B0004020202020204" pitchFamily="34" charset="0"/>
+              <a:ea typeface="Aptos" panose="020B0004020202020204" pitchFamily="34" charset="0"/>
+              <a:cs typeface="Aptos" panose="020B0004020202020204" pitchFamily="34" charset="0"/>
+            </a:endParaRPr>
+          </a:p>
+          <a:p>
+            <a:r>
+              <a:rPr lang="en-US" sz="1800" dirty="0">
+                <a:effectLst/>
+                <a:latin typeface="Aptos" panose="020B0004020202020204" pitchFamily="34" charset="0"/>
+                <a:ea typeface="Aptos" panose="020B0004020202020204" pitchFamily="34" charset="0"/>
+                <a:cs typeface="Aptos" panose="020B0004020202020204" pitchFamily="34" charset="0"/>
+              </a:rPr>
+              <a:t>Training:</a:t>
+            </a:r>
+            <a:endParaRPr lang="en-IL" sz="1800" dirty="0">
+              <a:effectLst/>
+              <a:latin typeface="Aptos" panose="020B0004020202020204" pitchFamily="34" charset="0"/>
+              <a:ea typeface="Aptos" panose="020B0004020202020204" pitchFamily="34" charset="0"/>
+              <a:cs typeface="Aptos" panose="020B0004020202020204" pitchFamily="34" charset="0"/>
+            </a:endParaRPr>
+          </a:p>
+          <a:p>
+            <a:pPr marL="0" indent="0">
+              <a:buNone/>
+            </a:pPr>
+            <a:r>
+              <a:rPr lang="en-US" sz="1800" u="sng" dirty="0">
+                <a:solidFill>
+                  <a:srgbClr val="467886"/>
+                </a:solidFill>
+                <a:effectLst/>
+                <a:latin typeface="Aptos" panose="020B0004020202020204" pitchFamily="34" charset="0"/>
+                <a:ea typeface="Aptos" panose="020B0004020202020204" pitchFamily="34" charset="0"/>
+                <a:cs typeface="Aptos" panose="020B0004020202020204" pitchFamily="34" charset="0"/>
+                <a:hlinkClick r:id="rId3"/>
+              </a:rPr>
+              <a:t>https://bit.ly/intelplay-training</a:t>
+            </a:r>
+            <a:endParaRPr lang="en-IL" sz="1800" dirty="0">
+              <a:effectLst/>
+              <a:latin typeface="Aptos" panose="020B0004020202020204" pitchFamily="34" charset="0"/>
+              <a:ea typeface="Aptos" panose="020B0004020202020204" pitchFamily="34" charset="0"/>
+              <a:cs typeface="Aptos" panose="020B0004020202020204" pitchFamily="34" charset="0"/>
+            </a:endParaRPr>
+          </a:p>
+          <a:p>
+            <a:r>
+              <a:rPr lang="en-US" sz="1800" dirty="0">
+                <a:effectLst/>
+                <a:latin typeface="Aptos" panose="020B0004020202020204" pitchFamily="34" charset="0"/>
+                <a:ea typeface="Aptos" panose="020B0004020202020204" pitchFamily="34" charset="0"/>
+                <a:cs typeface="Aptos" panose="020B0004020202020204" pitchFamily="34" charset="0"/>
+              </a:rPr>
+              <a:t> </a:t>
+            </a:r>
+            <a:endParaRPr lang="en-IL" sz="1800" dirty="0">
+              <a:effectLst/>
+              <a:latin typeface="Aptos" panose="020B0004020202020204" pitchFamily="34" charset="0"/>
+              <a:ea typeface="Aptos" panose="020B0004020202020204" pitchFamily="34" charset="0"/>
+              <a:cs typeface="Aptos" panose="020B0004020202020204" pitchFamily="34" charset="0"/>
+            </a:endParaRPr>
+          </a:p>
+          <a:p>
+            <a:r>
+              <a:rPr lang="en-US" sz="1800" dirty="0" err="1">
+                <a:effectLst/>
+                <a:latin typeface="Aptos" panose="020B0004020202020204" pitchFamily="34" charset="0"/>
+                <a:ea typeface="Aptos" panose="020B0004020202020204" pitchFamily="34" charset="0"/>
+                <a:cs typeface="Aptos" panose="020B0004020202020204" pitchFamily="34" charset="0"/>
+              </a:rPr>
+              <a:t>Github</a:t>
+            </a:r>
+            <a:r>
+              <a:rPr lang="en-US" sz="1800" dirty="0">
+                <a:effectLst/>
+                <a:latin typeface="Aptos" panose="020B0004020202020204" pitchFamily="34" charset="0"/>
+                <a:ea typeface="Aptos" panose="020B0004020202020204" pitchFamily="34" charset="0"/>
+                <a:cs typeface="Aptos" panose="020B0004020202020204" pitchFamily="34" charset="0"/>
+              </a:rPr>
+              <a:t>:</a:t>
+            </a:r>
+            <a:endParaRPr lang="en-IL" sz="1800" dirty="0">
+              <a:effectLst/>
+              <a:latin typeface="Aptos" panose="020B0004020202020204" pitchFamily="34" charset="0"/>
+              <a:ea typeface="Aptos" panose="020B0004020202020204" pitchFamily="34" charset="0"/>
+              <a:cs typeface="Aptos" panose="020B0004020202020204" pitchFamily="34" charset="0"/>
+            </a:endParaRPr>
+          </a:p>
+          <a:p>
+            <a:pPr marL="0" indent="0">
+              <a:buNone/>
+            </a:pPr>
+            <a:r>
+              <a:rPr lang="en-US" sz="1800" u="sng" dirty="0">
+                <a:solidFill>
+                  <a:srgbClr val="467886"/>
+                </a:solidFill>
+                <a:effectLst/>
+                <a:latin typeface="Aptos" panose="020B0004020202020204" pitchFamily="34" charset="0"/>
+                <a:ea typeface="Aptos" panose="020B0004020202020204" pitchFamily="34" charset="0"/>
+                <a:cs typeface="Aptos" panose="020B0004020202020204" pitchFamily="34" charset="0"/>
+                <a:hlinkClick r:id="rId4"/>
+              </a:rPr>
+              <a:t>https://bit.ly/avisalmon-git</a:t>
+            </a:r>
+            <a:endParaRPr lang="en-IL" sz="1800" dirty="0">
+              <a:effectLst/>
+              <a:latin typeface="Aptos" panose="020B0004020202020204" pitchFamily="34" charset="0"/>
+              <a:ea typeface="Aptos" panose="020B0004020202020204" pitchFamily="34" charset="0"/>
+              <a:cs typeface="Aptos" panose="020B0004020202020204" pitchFamily="34" charset="0"/>
+            </a:endParaRPr>
+          </a:p>
+          <a:p>
+            <a:endParaRPr lang="en-IL" dirty="0"/>
+          </a:p>
+        </p:txBody>
+      </p:sp>
+    </p:spTree>
+    <p:extLst>
+      <p:ext uri="{BB962C8B-B14F-4D97-AF65-F5344CB8AC3E}">
+        <p14:creationId xmlns:p14="http://schemas.microsoft.com/office/powerpoint/2010/main" val="4256253387"/>
+      </p:ext>
+    </p:extLst>
+  </p:cSld>
+  <p:clrMapOvr>
+    <a:masterClrMapping/>
+  </p:clrMapOvr>
+</p:sld>
+</file>
+
+<file path=ppt/slides/slide6.xml><?xml version="1.0" encoding="utf-8"?>
+<p:sld xmlns:a="http://schemas.openxmlformats.org/drawingml/2006/main" xmlns:r="http://schemas.openxmlformats.org/officeDocument/2006/relationships" xmlns:p="http://schemas.openxmlformats.org/presentationml/2006/main">
+  <p:cSld>
+    <p:spTree>
+      <p:nvGrpSpPr>
+        <p:cNvPr id="1" name=""/>
+        <p:cNvGrpSpPr/>
+        <p:nvPr/>
+      </p:nvGrpSpPr>
+      <p:grpSpPr>
+        <a:xfrm>
+          <a:off x="0" y="0"/>
+          <a:ext cx="0" cy="0"/>
+          <a:chOff x="0" y="0"/>
+          <a:chExt cx="0" cy="0"/>
+        </a:xfrm>
+      </p:grpSpPr>
+      <p:sp>
+        <p:nvSpPr>
+          <p:cNvPr id="2" name="Title 1">
+            <a:extLst>
+              <a:ext uri="{FF2B5EF4-FFF2-40B4-BE49-F238E27FC236}">
+                <a16:creationId xmlns:a16="http://schemas.microsoft.com/office/drawing/2014/main" id="{0348BA7B-A9A5-8FD5-2012-A8DFC3E95AD0}"/>
+              </a:ext>
+            </a:extLst>
+          </p:cNvPr>
+          <p:cNvSpPr>
+            <a:spLocks noGrp="1"/>
+          </p:cNvSpPr>
+          <p:nvPr>
+            <p:ph type="title"/>
+          </p:nvPr>
+        </p:nvSpPr>
+        <p:spPr/>
+        <p:txBody>
+          <a:bodyPr/>
+          <a:lstStyle/>
+          <a:p>
+            <a:r>
+              <a:rPr lang="en-US" dirty="0"/>
+              <a:t>What need to be done to start.</a:t>
+            </a:r>
+            <a:endParaRPr lang="en-IL" dirty="0"/>
+          </a:p>
+        </p:txBody>
+      </p:sp>
+      <p:sp>
+        <p:nvSpPr>
+          <p:cNvPr id="3" name="Content Placeholder 2">
+            <a:extLst>
+              <a:ext uri="{FF2B5EF4-FFF2-40B4-BE49-F238E27FC236}">
+                <a16:creationId xmlns:a16="http://schemas.microsoft.com/office/drawing/2014/main" id="{BD95E48C-6180-B6AA-7FDD-E5FF4F6D70BD}"/>
+              </a:ext>
+            </a:extLst>
+          </p:cNvPr>
+          <p:cNvSpPr>
+            <a:spLocks noGrp="1"/>
+          </p:cNvSpPr>
+          <p:nvPr>
+            <p:ph idx="1"/>
+          </p:nvPr>
+        </p:nvSpPr>
+        <p:spPr/>
+        <p:txBody>
+          <a:bodyPr>
+            <a:normAutofit lnSpcReduction="10000"/>
+          </a:bodyPr>
+          <a:lstStyle/>
+          <a:p>
+            <a:pPr marL="514350" indent="-514350">
+              <a:buAutoNum type="arabicPeriod"/>
+            </a:pPr>
+            <a:r>
+              <a:rPr lang="en-US" dirty="0"/>
+              <a:t>Make sure you have the single button kit working and connected to the PC. </a:t>
+            </a:r>
+            <a:r>
+              <a:rPr lang="en-US" dirty="0">
+                <a:highlight>
+                  <a:srgbClr val="FFFF00"/>
+                </a:highlight>
+              </a:rPr>
+              <a:t>We support windows 10 and above. </a:t>
+            </a:r>
+          </a:p>
+          <a:p>
+            <a:pPr marL="514350" indent="-514350">
+              <a:buFont typeface="Arial" panose="020B0604020202020204" pitchFamily="34" charset="0"/>
+              <a:buAutoNum type="arabicPeriod"/>
+            </a:pPr>
+            <a:r>
+              <a:rPr lang="en-US" dirty="0"/>
+              <a:t>Download course from GitHub</a:t>
+            </a:r>
+            <a:endParaRPr lang="he-IL" dirty="0"/>
+          </a:p>
+          <a:p>
+            <a:pPr marL="514350" indent="-514350">
+              <a:buAutoNum type="arabicPeriod"/>
+            </a:pPr>
+            <a:r>
+              <a:rPr lang="en-US" dirty="0"/>
+              <a:t>ESP32 Driver.</a:t>
+            </a:r>
+          </a:p>
+          <a:p>
+            <a:pPr marL="514350" indent="-514350">
+              <a:buAutoNum type="arabicPeriod"/>
+            </a:pPr>
+            <a:r>
+              <a:rPr lang="en-US" dirty="0"/>
+              <a:t>Python</a:t>
+            </a:r>
+          </a:p>
+          <a:p>
+            <a:pPr marL="514350" indent="-514350">
+              <a:buAutoNum type="arabicPeriod"/>
+            </a:pPr>
+            <a:r>
+              <a:rPr lang="en-US" dirty="0" err="1"/>
+              <a:t>Thonny</a:t>
+            </a:r>
+            <a:endParaRPr lang="en-US" dirty="0"/>
+          </a:p>
+          <a:p>
+            <a:pPr marL="514350" indent="-514350">
+              <a:buAutoNum type="arabicPeriod"/>
+            </a:pPr>
+            <a:r>
+              <a:rPr lang="en-US" dirty="0"/>
+              <a:t>Load Micro Python</a:t>
+            </a:r>
+          </a:p>
+          <a:p>
+            <a:pPr marL="514350" indent="-514350">
+              <a:buAutoNum type="arabicPeriod"/>
+            </a:pPr>
+            <a:r>
+              <a:rPr lang="en-US" dirty="0" err="1"/>
+              <a:t>Jupyter</a:t>
+            </a:r>
+            <a:r>
+              <a:rPr lang="en-US" dirty="0"/>
+              <a:t> notebook</a:t>
+            </a:r>
+          </a:p>
+          <a:p>
+            <a:pPr marL="514350" indent="-514350">
+              <a:buAutoNum type="arabicPeriod"/>
+            </a:pPr>
+            <a:r>
+              <a:rPr lang="en-US" dirty="0"/>
+              <a:t>Let’s Rock! </a:t>
+            </a:r>
+            <a:endParaRPr lang="en-IL" dirty="0"/>
+          </a:p>
+        </p:txBody>
+      </p:sp>
+    </p:spTree>
+    <p:extLst>
+      <p:ext uri="{BB962C8B-B14F-4D97-AF65-F5344CB8AC3E}">
+        <p14:creationId xmlns:p14="http://schemas.microsoft.com/office/powerpoint/2010/main" val="3795621993"/>
+      </p:ext>
+    </p:extLst>
+  </p:cSld>
+  <p:clrMapOvr>
+    <a:masterClrMapping/>
+  </p:clrMapOvr>
+</p:sld>
+</file>
+
+<file path=ppt/slides/slide7.xml><?xml version="1.0" encoding="utf-8"?>
+<p:sld xmlns:a="http://schemas.openxmlformats.org/drawingml/2006/main" xmlns:r="http://schemas.openxmlformats.org/officeDocument/2006/relationships" xmlns:p="http://schemas.openxmlformats.org/presentationml/2006/main">
+  <p:cSld>
+    <p:spTree>
+      <p:nvGrpSpPr>
+        <p:cNvPr id="1" name=""/>
+        <p:cNvGrpSpPr/>
+        <p:nvPr/>
+      </p:nvGrpSpPr>
+      <p:grpSpPr>
+        <a:xfrm>
+          <a:off x="0" y="0"/>
+          <a:ext cx="0" cy="0"/>
+          <a:chOff x="0" y="0"/>
+          <a:chExt cx="0" cy="0"/>
+        </a:xfrm>
+      </p:grpSpPr>
+      <p:sp>
+        <p:nvSpPr>
+          <p:cNvPr id="4" name="Rectangle 3">
+            <a:extLst>
+              <a:ext uri="{FF2B5EF4-FFF2-40B4-BE49-F238E27FC236}">
+                <a16:creationId xmlns:a16="http://schemas.microsoft.com/office/drawing/2014/main" id="{F284F489-732C-231D-0465-6B806AE9F6FB}"/>
+              </a:ext>
+            </a:extLst>
+          </p:cNvPr>
+          <p:cNvSpPr/>
+          <p:nvPr/>
+        </p:nvSpPr>
+        <p:spPr>
+          <a:xfrm>
+            <a:off x="2860193" y="1894994"/>
+            <a:ext cx="5578764" cy="2798618"/>
+          </a:xfrm>
+          <a:prstGeom prst="rect">
+            <a:avLst/>
+          </a:prstGeom>
+        </p:spPr>
+        <p:style>
+          <a:lnRef idx="2">
+            <a:schemeClr val="accent1">
+              <a:shade val="15000"/>
+            </a:schemeClr>
+          </a:lnRef>
+          <a:fillRef idx="1">
+            <a:schemeClr val="accent1"/>
+          </a:fillRef>
+          <a:effectRef idx="0">
+            <a:schemeClr val="accent1"/>
+          </a:effectRef>
+          <a:fontRef idx="minor">
+            <a:schemeClr val="lt1"/>
+          </a:fontRef>
+        </p:style>
+        <p:txBody>
+          <a:bodyPr rtlCol="0" anchor="ctr"/>
+          <a:lstStyle/>
+          <a:p>
+            <a:pPr marL="0" marR="0" lvl="0" indent="0" algn="ctr" defTabSz="914400" rtl="0" eaLnBrk="1" fontAlgn="auto" latinLnBrk="0" hangingPunct="1">
+              <a:lnSpc>
+                <a:spcPct val="100000"/>
+              </a:lnSpc>
+              <a:spcBef>
+                <a:spcPts val="0"/>
+              </a:spcBef>
+              <a:spcAft>
+                <a:spcPts val="0"/>
+              </a:spcAft>
+              <a:buClrTx/>
+              <a:buSzTx/>
+              <a:buFontTx/>
+              <a:buNone/>
+              <a:tabLst/>
+              <a:defRPr/>
+            </a:pPr>
+            <a:endParaRPr kumimoji="0" lang="en-IL" sz="1800" b="0" i="0" u="none" strike="noStrike" kern="1200" cap="none" spc="0" normalizeH="0" baseline="0" noProof="0">
+              <a:ln>
+                <a:noFill/>
+              </a:ln>
+              <a:solidFill>
+                <a:prstClr val="white"/>
+              </a:solidFill>
+              <a:effectLst/>
+              <a:uLnTx/>
+              <a:uFillTx/>
+              <a:latin typeface="Calibri" panose="020F0502020204030204"/>
+              <a:ea typeface="+mn-ea"/>
+              <a:cs typeface="+mn-cs"/>
+            </a:endParaRPr>
+          </a:p>
+        </p:txBody>
+      </p:sp>
+      <p:cxnSp>
+        <p:nvCxnSpPr>
+          <p:cNvPr id="6" name="Straight Arrow Connector 5">
+            <a:extLst>
+              <a:ext uri="{FF2B5EF4-FFF2-40B4-BE49-F238E27FC236}">
+                <a16:creationId xmlns:a16="http://schemas.microsoft.com/office/drawing/2014/main" id="{C500ACC0-8540-5A91-F703-BE6C4453E129}"/>
+              </a:ext>
+            </a:extLst>
+          </p:cNvPr>
+          <p:cNvCxnSpPr/>
+          <p:nvPr/>
+        </p:nvCxnSpPr>
+        <p:spPr>
+          <a:xfrm>
+            <a:off x="2860193" y="1617903"/>
+            <a:ext cx="5578764" cy="0"/>
+          </a:xfrm>
+          <a:prstGeom prst="straightConnector1">
+            <a:avLst/>
+          </a:prstGeom>
+          <a:ln>
+            <a:tailEnd type="triangle"/>
+          </a:ln>
+        </p:spPr>
+        <p:style>
+          <a:lnRef idx="1">
+            <a:schemeClr val="accent1"/>
+          </a:lnRef>
+          <a:fillRef idx="0">
+            <a:schemeClr val="accent1"/>
+          </a:fillRef>
+          <a:effectRef idx="0">
+            <a:schemeClr val="accent1"/>
+          </a:effectRef>
+          <a:fontRef idx="minor">
+            <a:schemeClr val="tx1"/>
+          </a:fontRef>
+        </p:style>
+      </p:cxnSp>
+      <p:cxnSp>
+        <p:nvCxnSpPr>
+          <p:cNvPr id="8" name="Straight Arrow Connector 7">
+            <a:extLst>
+              <a:ext uri="{FF2B5EF4-FFF2-40B4-BE49-F238E27FC236}">
+                <a16:creationId xmlns:a16="http://schemas.microsoft.com/office/drawing/2014/main" id="{62372A4F-85A8-E925-C6C6-303EA4CE9374}"/>
+              </a:ext>
+            </a:extLst>
+          </p:cNvPr>
+          <p:cNvCxnSpPr/>
+          <p:nvPr/>
+        </p:nvCxnSpPr>
+        <p:spPr>
+          <a:xfrm>
+            <a:off x="2499975" y="1894994"/>
+            <a:ext cx="0" cy="2798618"/>
+          </a:xfrm>
+          <a:prstGeom prst="straightConnector1">
+            <a:avLst/>
+          </a:prstGeom>
+          <a:ln>
+            <a:tailEnd type="triangle"/>
+          </a:ln>
+        </p:spPr>
+        <p:style>
+          <a:lnRef idx="1">
+            <a:schemeClr val="accent1"/>
+          </a:lnRef>
+          <a:fillRef idx="0">
+            <a:schemeClr val="accent1"/>
+          </a:fillRef>
+          <a:effectRef idx="0">
+            <a:schemeClr val="accent1"/>
+          </a:effectRef>
+          <a:fontRef idx="minor">
+            <a:schemeClr val="tx1"/>
+          </a:fontRef>
+        </p:style>
+      </p:cxnSp>
+      <p:sp>
+        <p:nvSpPr>
+          <p:cNvPr id="9" name="TextBox 8">
+            <a:extLst>
+              <a:ext uri="{FF2B5EF4-FFF2-40B4-BE49-F238E27FC236}">
+                <a16:creationId xmlns:a16="http://schemas.microsoft.com/office/drawing/2014/main" id="{99C23634-49BF-1C67-56C7-7965FBD83642}"/>
+              </a:ext>
+            </a:extLst>
+          </p:cNvPr>
+          <p:cNvSpPr txBox="1"/>
+          <p:nvPr/>
+        </p:nvSpPr>
+        <p:spPr>
+          <a:xfrm>
+            <a:off x="2860192" y="1894994"/>
+            <a:ext cx="873607" cy="369332"/>
+          </a:xfrm>
+          <a:prstGeom prst="rect">
+            <a:avLst/>
+          </a:prstGeom>
+          <a:noFill/>
+        </p:spPr>
+        <p:txBody>
+          <a:bodyPr wrap="square" rtlCol="0">
+            <a:spAutoFit/>
+          </a:bodyPr>
+          <a:lstStyle/>
+          <a:p>
+            <a:pPr marL="0" marR="0" lvl="0" indent="0" algn="l" defTabSz="914400" rtl="0" eaLnBrk="1" fontAlgn="auto" latinLnBrk="0" hangingPunct="1">
+              <a:lnSpc>
+                <a:spcPct val="100000"/>
+              </a:lnSpc>
+              <a:spcBef>
+                <a:spcPts val="0"/>
+              </a:spcBef>
+              <a:spcAft>
+                <a:spcPts val="0"/>
+              </a:spcAft>
+              <a:buClrTx/>
+              <a:buSzTx/>
+              <a:buFontTx/>
+              <a:buNone/>
+              <a:tabLst/>
+              <a:defRPr/>
+            </a:pPr>
+            <a:r>
+              <a:rPr kumimoji="0" lang="en-US" sz="1800" b="0" i="0" u="none" strike="noStrike" kern="1200" cap="none" spc="0" normalizeH="0" baseline="0" noProof="0" dirty="0">
+                <a:ln>
+                  <a:noFill/>
+                </a:ln>
+                <a:solidFill>
+                  <a:prstClr val="black"/>
+                </a:solidFill>
+                <a:effectLst/>
+                <a:uLnTx/>
+                <a:uFillTx/>
+                <a:latin typeface="Calibri" panose="020F0502020204030204"/>
+                <a:ea typeface="+mn-ea"/>
+                <a:cs typeface="+mn-cs"/>
+              </a:rPr>
+              <a:t>(0,0)</a:t>
+            </a:r>
+            <a:endParaRPr kumimoji="0" lang="en-IL" sz="1800" b="0" i="0" u="none" strike="noStrike" kern="1200" cap="none" spc="0" normalizeH="0" baseline="0" noProof="0" dirty="0">
+              <a:ln>
+                <a:noFill/>
+              </a:ln>
+              <a:solidFill>
+                <a:prstClr val="black"/>
+              </a:solidFill>
+              <a:effectLst/>
+              <a:uLnTx/>
+              <a:uFillTx/>
+              <a:latin typeface="Calibri" panose="020F0502020204030204"/>
+              <a:ea typeface="+mn-ea"/>
+              <a:cs typeface="+mn-cs"/>
+            </a:endParaRPr>
+          </a:p>
+        </p:txBody>
+      </p:sp>
+      <p:sp>
+        <p:nvSpPr>
+          <p:cNvPr id="10" name="TextBox 9">
+            <a:extLst>
+              <a:ext uri="{FF2B5EF4-FFF2-40B4-BE49-F238E27FC236}">
+                <a16:creationId xmlns:a16="http://schemas.microsoft.com/office/drawing/2014/main" id="{76E7E847-BEAB-8B17-D29D-23DE1E57A029}"/>
+              </a:ext>
+            </a:extLst>
+          </p:cNvPr>
+          <p:cNvSpPr txBox="1"/>
+          <p:nvPr/>
+        </p:nvSpPr>
+        <p:spPr>
+          <a:xfrm>
+            <a:off x="7673903" y="1931542"/>
+            <a:ext cx="1034472" cy="369332"/>
+          </a:xfrm>
+          <a:prstGeom prst="rect">
+            <a:avLst/>
+          </a:prstGeom>
+          <a:noFill/>
+        </p:spPr>
+        <p:txBody>
+          <a:bodyPr wrap="square" rtlCol="0">
+            <a:spAutoFit/>
+          </a:bodyPr>
+          <a:lstStyle/>
+          <a:p>
+            <a:pPr marL="0" marR="0" lvl="0" indent="0" algn="l" defTabSz="914400" rtl="0" eaLnBrk="1" fontAlgn="auto" latinLnBrk="0" hangingPunct="1">
+              <a:lnSpc>
+                <a:spcPct val="100000"/>
+              </a:lnSpc>
+              <a:spcBef>
+                <a:spcPts val="0"/>
+              </a:spcBef>
+              <a:spcAft>
+                <a:spcPts val="0"/>
+              </a:spcAft>
+              <a:buClrTx/>
+              <a:buSzTx/>
+              <a:buFontTx/>
+              <a:buNone/>
+              <a:tabLst/>
+              <a:defRPr/>
+            </a:pPr>
+            <a:r>
+              <a:rPr kumimoji="0" lang="en-US" sz="1800" b="0" i="0" u="none" strike="noStrike" kern="1200" cap="none" spc="0" normalizeH="0" baseline="0" noProof="0" dirty="0">
+                <a:ln>
+                  <a:noFill/>
+                </a:ln>
+                <a:solidFill>
+                  <a:prstClr val="black"/>
+                </a:solidFill>
+                <a:effectLst/>
+                <a:uLnTx/>
+                <a:uFillTx/>
+                <a:latin typeface="Calibri" panose="020F0502020204030204"/>
+                <a:ea typeface="+mn-ea"/>
+                <a:cs typeface="+mn-cs"/>
+              </a:rPr>
+              <a:t>(127,0)</a:t>
+            </a:r>
+            <a:endParaRPr kumimoji="0" lang="en-IL" sz="1800" b="0" i="0" u="none" strike="noStrike" kern="1200" cap="none" spc="0" normalizeH="0" baseline="0" noProof="0" dirty="0">
+              <a:ln>
+                <a:noFill/>
+              </a:ln>
+              <a:solidFill>
+                <a:prstClr val="black"/>
+              </a:solidFill>
+              <a:effectLst/>
+              <a:uLnTx/>
+              <a:uFillTx/>
+              <a:latin typeface="Calibri" panose="020F0502020204030204"/>
+              <a:ea typeface="+mn-ea"/>
+              <a:cs typeface="+mn-cs"/>
+            </a:endParaRPr>
+          </a:p>
+        </p:txBody>
+      </p:sp>
+      <p:sp>
+        <p:nvSpPr>
+          <p:cNvPr id="11" name="TextBox 10">
+            <a:extLst>
+              <a:ext uri="{FF2B5EF4-FFF2-40B4-BE49-F238E27FC236}">
+                <a16:creationId xmlns:a16="http://schemas.microsoft.com/office/drawing/2014/main" id="{B6DCF8CF-62A6-34AE-9431-EE32A65DACE7}"/>
+              </a:ext>
+            </a:extLst>
+          </p:cNvPr>
+          <p:cNvSpPr txBox="1"/>
+          <p:nvPr/>
+        </p:nvSpPr>
+        <p:spPr>
+          <a:xfrm>
+            <a:off x="2860193" y="4324156"/>
+            <a:ext cx="1034470" cy="369332"/>
+          </a:xfrm>
+          <a:prstGeom prst="rect">
+            <a:avLst/>
+          </a:prstGeom>
+          <a:noFill/>
+        </p:spPr>
+        <p:txBody>
+          <a:bodyPr wrap="square" rtlCol="0">
+            <a:spAutoFit/>
+          </a:bodyPr>
+          <a:lstStyle/>
+          <a:p>
+            <a:pPr marL="0" marR="0" lvl="0" indent="0" algn="l" defTabSz="914400" rtl="0" eaLnBrk="1" fontAlgn="auto" latinLnBrk="0" hangingPunct="1">
+              <a:lnSpc>
+                <a:spcPct val="100000"/>
+              </a:lnSpc>
+              <a:spcBef>
+                <a:spcPts val="0"/>
+              </a:spcBef>
+              <a:spcAft>
+                <a:spcPts val="0"/>
+              </a:spcAft>
+              <a:buClrTx/>
+              <a:buSzTx/>
+              <a:buFontTx/>
+              <a:buNone/>
+              <a:tabLst/>
+              <a:defRPr/>
+            </a:pPr>
+            <a:r>
+              <a:rPr kumimoji="0" lang="en-US" sz="1800" b="0" i="0" u="none" strike="noStrike" kern="1200" cap="none" spc="0" normalizeH="0" baseline="0" noProof="0" dirty="0">
+                <a:ln>
+                  <a:noFill/>
+                </a:ln>
+                <a:solidFill>
+                  <a:prstClr val="black"/>
+                </a:solidFill>
+                <a:effectLst/>
+                <a:uLnTx/>
+                <a:uFillTx/>
+                <a:latin typeface="Calibri" panose="020F0502020204030204"/>
+                <a:ea typeface="+mn-ea"/>
+                <a:cs typeface="+mn-cs"/>
+              </a:rPr>
+              <a:t>(0, 63)</a:t>
+            </a:r>
+            <a:endParaRPr kumimoji="0" lang="en-IL" sz="1800" b="0" i="0" u="none" strike="noStrike" kern="1200" cap="none" spc="0" normalizeH="0" baseline="0" noProof="0" dirty="0">
+              <a:ln>
+                <a:noFill/>
+              </a:ln>
+              <a:solidFill>
+                <a:prstClr val="black"/>
+              </a:solidFill>
+              <a:effectLst/>
+              <a:uLnTx/>
+              <a:uFillTx/>
+              <a:latin typeface="Calibri" panose="020F0502020204030204"/>
+              <a:ea typeface="+mn-ea"/>
+              <a:cs typeface="+mn-cs"/>
+            </a:endParaRPr>
+          </a:p>
+        </p:txBody>
+      </p:sp>
+      <p:sp>
+        <p:nvSpPr>
+          <p:cNvPr id="12" name="TextBox 11">
+            <a:extLst>
+              <a:ext uri="{FF2B5EF4-FFF2-40B4-BE49-F238E27FC236}">
+                <a16:creationId xmlns:a16="http://schemas.microsoft.com/office/drawing/2014/main" id="{09D32E0E-93FE-7A8A-6AD0-8F49A0E2322E}"/>
+              </a:ext>
+            </a:extLst>
+          </p:cNvPr>
+          <p:cNvSpPr txBox="1"/>
+          <p:nvPr/>
+        </p:nvSpPr>
+        <p:spPr>
+          <a:xfrm>
+            <a:off x="7458368" y="4322097"/>
+            <a:ext cx="1383145" cy="369332"/>
+          </a:xfrm>
+          <a:prstGeom prst="rect">
+            <a:avLst/>
+          </a:prstGeom>
+          <a:noFill/>
+        </p:spPr>
+        <p:txBody>
+          <a:bodyPr wrap="square" rtlCol="0">
+            <a:spAutoFit/>
+          </a:bodyPr>
+          <a:lstStyle/>
+          <a:p>
+            <a:pPr marL="0" marR="0" lvl="0" indent="0" algn="l" defTabSz="914400" rtl="0" eaLnBrk="1" fontAlgn="auto" latinLnBrk="0" hangingPunct="1">
+              <a:lnSpc>
+                <a:spcPct val="100000"/>
+              </a:lnSpc>
+              <a:spcBef>
+                <a:spcPts val="0"/>
+              </a:spcBef>
+              <a:spcAft>
+                <a:spcPts val="0"/>
+              </a:spcAft>
+              <a:buClrTx/>
+              <a:buSzTx/>
+              <a:buFontTx/>
+              <a:buNone/>
+              <a:tabLst/>
+              <a:defRPr/>
+            </a:pPr>
+            <a:r>
+              <a:rPr kumimoji="0" lang="en-US" sz="1800" b="0" i="0" u="none" strike="noStrike" kern="1200" cap="none" spc="0" normalizeH="0" baseline="0" noProof="0" dirty="0">
+                <a:ln>
+                  <a:noFill/>
+                </a:ln>
+                <a:solidFill>
+                  <a:prstClr val="black"/>
+                </a:solidFill>
+                <a:effectLst/>
+                <a:uLnTx/>
+                <a:uFillTx/>
+                <a:latin typeface="Calibri" panose="020F0502020204030204"/>
+                <a:ea typeface="+mn-ea"/>
+                <a:cs typeface="+mn-cs"/>
+              </a:rPr>
+              <a:t>(127, 63)</a:t>
+            </a:r>
+            <a:endParaRPr kumimoji="0" lang="en-IL" sz="1800" b="0" i="0" u="none" strike="noStrike" kern="1200" cap="none" spc="0" normalizeH="0" baseline="0" noProof="0" dirty="0">
+              <a:ln>
+                <a:noFill/>
+              </a:ln>
+              <a:solidFill>
+                <a:prstClr val="black"/>
+              </a:solidFill>
+              <a:effectLst/>
+              <a:uLnTx/>
+              <a:uFillTx/>
+              <a:latin typeface="Calibri" panose="020F0502020204030204"/>
+              <a:ea typeface="+mn-ea"/>
+              <a:cs typeface="+mn-cs"/>
+            </a:endParaRPr>
+          </a:p>
+        </p:txBody>
+      </p:sp>
+      <p:sp>
+        <p:nvSpPr>
+          <p:cNvPr id="2" name="TextBox 1">
+            <a:extLst>
+              <a:ext uri="{FF2B5EF4-FFF2-40B4-BE49-F238E27FC236}">
+                <a16:creationId xmlns:a16="http://schemas.microsoft.com/office/drawing/2014/main" id="{5341EC12-18F9-A742-55EF-1200503D5431}"/>
+              </a:ext>
+            </a:extLst>
+          </p:cNvPr>
+          <p:cNvSpPr txBox="1"/>
+          <p:nvPr/>
+        </p:nvSpPr>
+        <p:spPr>
+          <a:xfrm>
+            <a:off x="9499599" y="1617903"/>
+            <a:ext cx="639919" cy="369332"/>
+          </a:xfrm>
+          <a:prstGeom prst="rect">
+            <a:avLst/>
+          </a:prstGeom>
+          <a:noFill/>
+        </p:spPr>
+        <p:txBody>
+          <a:bodyPr wrap="none" rtlCol="0">
+            <a:spAutoFit/>
+          </a:bodyPr>
+          <a:lstStyle/>
+          <a:p>
+            <a:pPr marL="0" marR="0" lvl="0" indent="0" algn="l" defTabSz="914400" rtl="0" eaLnBrk="1" fontAlgn="auto" latinLnBrk="0" hangingPunct="1">
+              <a:lnSpc>
+                <a:spcPct val="100000"/>
+              </a:lnSpc>
+              <a:spcBef>
+                <a:spcPts val="0"/>
+              </a:spcBef>
+              <a:spcAft>
+                <a:spcPts val="0"/>
+              </a:spcAft>
+              <a:buClrTx/>
+              <a:buSzTx/>
+              <a:buFontTx/>
+              <a:buNone/>
+              <a:tabLst/>
+              <a:defRPr/>
+            </a:pPr>
+            <a:r>
+              <a:rPr kumimoji="0" lang="en-US" sz="1800" b="0" i="0" u="none" strike="noStrike" kern="1200" cap="none" spc="0" normalizeH="0" baseline="0" noProof="0" dirty="0">
+                <a:ln>
+                  <a:noFill/>
+                </a:ln>
+                <a:solidFill>
+                  <a:prstClr val="black"/>
+                </a:solidFill>
+                <a:effectLst/>
+                <a:uLnTx/>
+                <a:uFillTx/>
+                <a:latin typeface="Calibri" panose="020F0502020204030204"/>
+                <a:ea typeface="+mn-ea"/>
+                <a:cs typeface="+mn-cs"/>
+              </a:rPr>
+              <a:t>(x, y)</a:t>
+            </a:r>
+            <a:endParaRPr kumimoji="0" lang="en-IL" sz="1800" b="0" i="0" u="none" strike="noStrike" kern="1200" cap="none" spc="0" normalizeH="0" baseline="0" noProof="0" dirty="0">
+              <a:ln>
+                <a:noFill/>
+              </a:ln>
+              <a:solidFill>
+                <a:prstClr val="black"/>
+              </a:solidFill>
+              <a:effectLst/>
+              <a:uLnTx/>
+              <a:uFillTx/>
+              <a:latin typeface="Calibri" panose="020F0502020204030204"/>
+              <a:ea typeface="+mn-ea"/>
+              <a:cs typeface="+mn-cs"/>
+            </a:endParaRPr>
+          </a:p>
+        </p:txBody>
+      </p:sp>
+      <p:sp>
+        <p:nvSpPr>
+          <p:cNvPr id="3" name="TextBox 2">
+            <a:extLst>
+              <a:ext uri="{FF2B5EF4-FFF2-40B4-BE49-F238E27FC236}">
+                <a16:creationId xmlns:a16="http://schemas.microsoft.com/office/drawing/2014/main" id="{76E42123-E8AE-F9F4-9719-4536673F76CE}"/>
+              </a:ext>
+            </a:extLst>
+          </p:cNvPr>
+          <p:cNvSpPr txBox="1"/>
+          <p:nvPr/>
+        </p:nvSpPr>
+        <p:spPr>
+          <a:xfrm>
+            <a:off x="2794233" y="1230348"/>
+            <a:ext cx="590226" cy="369332"/>
+          </a:xfrm>
+          <a:prstGeom prst="rect">
+            <a:avLst/>
+          </a:prstGeom>
+          <a:noFill/>
+        </p:spPr>
+        <p:txBody>
+          <a:bodyPr wrap="none" rtlCol="0">
+            <a:spAutoFit/>
+          </a:bodyPr>
+          <a:lstStyle/>
+          <a:p>
+            <a:pPr marL="0" marR="0" lvl="0" indent="0" algn="l" defTabSz="914400" rtl="0" eaLnBrk="1" fontAlgn="auto" latinLnBrk="0" hangingPunct="1">
+              <a:lnSpc>
+                <a:spcPct val="100000"/>
+              </a:lnSpc>
+              <a:spcBef>
+                <a:spcPts val="0"/>
+              </a:spcBef>
+              <a:spcAft>
+                <a:spcPts val="0"/>
+              </a:spcAft>
+              <a:buClrTx/>
+              <a:buSzTx/>
+              <a:buFontTx/>
+              <a:buNone/>
+              <a:tabLst/>
+              <a:defRPr/>
+            </a:pPr>
+            <a:r>
+              <a:rPr kumimoji="0" lang="en-US" sz="1800" b="0" i="0" u="none" strike="noStrike" kern="1200" cap="none" spc="0" normalizeH="0" baseline="0" noProof="0" dirty="0">
+                <a:ln>
+                  <a:noFill/>
+                </a:ln>
+                <a:solidFill>
+                  <a:prstClr val="black"/>
+                </a:solidFill>
+                <a:effectLst/>
+                <a:uLnTx/>
+                <a:uFillTx/>
+                <a:latin typeface="Calibri" panose="020F0502020204030204"/>
+                <a:ea typeface="+mn-ea"/>
+                <a:cs typeface="+mn-cs"/>
+              </a:rPr>
+              <a:t>X=0 </a:t>
+            </a:r>
+            <a:endParaRPr kumimoji="0" lang="en-IL" sz="1800" b="0" i="0" u="none" strike="noStrike" kern="1200" cap="none" spc="0" normalizeH="0" baseline="0" noProof="0" dirty="0">
+              <a:ln>
+                <a:noFill/>
+              </a:ln>
+              <a:solidFill>
+                <a:prstClr val="black"/>
+              </a:solidFill>
+              <a:effectLst/>
+              <a:uLnTx/>
+              <a:uFillTx/>
+              <a:latin typeface="Calibri" panose="020F0502020204030204"/>
+              <a:ea typeface="+mn-ea"/>
+              <a:cs typeface="+mn-cs"/>
+            </a:endParaRPr>
+          </a:p>
+        </p:txBody>
+      </p:sp>
+      <p:sp>
+        <p:nvSpPr>
+          <p:cNvPr id="5" name="TextBox 4">
+            <a:extLst>
+              <a:ext uri="{FF2B5EF4-FFF2-40B4-BE49-F238E27FC236}">
+                <a16:creationId xmlns:a16="http://schemas.microsoft.com/office/drawing/2014/main" id="{DE1F9266-C71A-9944-2C9A-FA8641D20CE7}"/>
+              </a:ext>
+            </a:extLst>
+          </p:cNvPr>
+          <p:cNvSpPr txBox="1"/>
+          <p:nvPr/>
+        </p:nvSpPr>
+        <p:spPr>
+          <a:xfrm>
+            <a:off x="7779007" y="1230348"/>
+            <a:ext cx="824265" cy="369332"/>
+          </a:xfrm>
+          <a:prstGeom prst="rect">
+            <a:avLst/>
+          </a:prstGeom>
+          <a:noFill/>
+        </p:spPr>
+        <p:txBody>
+          <a:bodyPr wrap="none" rtlCol="0">
+            <a:spAutoFit/>
+          </a:bodyPr>
+          <a:lstStyle/>
+          <a:p>
+            <a:pPr marL="0" marR="0" lvl="0" indent="0" algn="l" defTabSz="914400" rtl="0" eaLnBrk="1" fontAlgn="auto" latinLnBrk="0" hangingPunct="1">
+              <a:lnSpc>
+                <a:spcPct val="100000"/>
+              </a:lnSpc>
+              <a:spcBef>
+                <a:spcPts val="0"/>
+              </a:spcBef>
+              <a:spcAft>
+                <a:spcPts val="0"/>
+              </a:spcAft>
+              <a:buClrTx/>
+              <a:buSzTx/>
+              <a:buFontTx/>
+              <a:buNone/>
+              <a:tabLst/>
+              <a:defRPr/>
+            </a:pPr>
+            <a:r>
+              <a:rPr kumimoji="0" lang="en-US" sz="1800" b="0" i="0" u="none" strike="noStrike" kern="1200" cap="none" spc="0" normalizeH="0" baseline="0" noProof="0" dirty="0">
+                <a:ln>
+                  <a:noFill/>
+                </a:ln>
+                <a:solidFill>
+                  <a:prstClr val="black"/>
+                </a:solidFill>
+                <a:effectLst/>
+                <a:uLnTx/>
+                <a:uFillTx/>
+                <a:latin typeface="Calibri" panose="020F0502020204030204"/>
+                <a:ea typeface="+mn-ea"/>
+                <a:cs typeface="+mn-cs"/>
+              </a:rPr>
+              <a:t>X=127 </a:t>
+            </a:r>
+            <a:endParaRPr kumimoji="0" lang="en-IL" sz="1800" b="0" i="0" u="none" strike="noStrike" kern="1200" cap="none" spc="0" normalizeH="0" baseline="0" noProof="0" dirty="0">
+              <a:ln>
+                <a:noFill/>
+              </a:ln>
+              <a:solidFill>
+                <a:prstClr val="black"/>
+              </a:solidFill>
+              <a:effectLst/>
+              <a:uLnTx/>
+              <a:uFillTx/>
+              <a:latin typeface="Calibri" panose="020F0502020204030204"/>
+              <a:ea typeface="+mn-ea"/>
+              <a:cs typeface="+mn-cs"/>
+            </a:endParaRPr>
+          </a:p>
+        </p:txBody>
+      </p:sp>
+      <p:sp>
+        <p:nvSpPr>
+          <p:cNvPr id="7" name="TextBox 6">
+            <a:extLst>
+              <a:ext uri="{FF2B5EF4-FFF2-40B4-BE49-F238E27FC236}">
+                <a16:creationId xmlns:a16="http://schemas.microsoft.com/office/drawing/2014/main" id="{2D90E5F1-8ED2-F492-28A0-FD5F8A02FEBE}"/>
+              </a:ext>
+            </a:extLst>
+          </p:cNvPr>
+          <p:cNvSpPr txBox="1"/>
+          <p:nvPr/>
+        </p:nvSpPr>
+        <p:spPr>
+          <a:xfrm>
+            <a:off x="1729641" y="1931542"/>
+            <a:ext cx="590226" cy="369332"/>
+          </a:xfrm>
+          <a:prstGeom prst="rect">
+            <a:avLst/>
+          </a:prstGeom>
+          <a:noFill/>
+        </p:spPr>
+        <p:txBody>
+          <a:bodyPr wrap="none" rtlCol="0">
+            <a:spAutoFit/>
+          </a:bodyPr>
+          <a:lstStyle/>
+          <a:p>
+            <a:pPr marL="0" marR="0" lvl="0" indent="0" algn="l" defTabSz="914400" rtl="0" eaLnBrk="1" fontAlgn="auto" latinLnBrk="0" hangingPunct="1">
+              <a:lnSpc>
+                <a:spcPct val="100000"/>
+              </a:lnSpc>
+              <a:spcBef>
+                <a:spcPts val="0"/>
+              </a:spcBef>
+              <a:spcAft>
+                <a:spcPts val="0"/>
+              </a:spcAft>
+              <a:buClrTx/>
+              <a:buSzTx/>
+              <a:buFontTx/>
+              <a:buNone/>
+              <a:tabLst/>
+              <a:defRPr/>
+            </a:pPr>
+            <a:r>
+              <a:rPr kumimoji="0" lang="en-US" sz="1800" b="0" i="0" u="none" strike="noStrike" kern="1200" cap="none" spc="0" normalizeH="0" baseline="0" noProof="0" dirty="0">
+                <a:ln>
+                  <a:noFill/>
+                </a:ln>
+                <a:solidFill>
+                  <a:prstClr val="black"/>
+                </a:solidFill>
+                <a:effectLst/>
+                <a:uLnTx/>
+                <a:uFillTx/>
+                <a:latin typeface="Calibri" panose="020F0502020204030204"/>
+                <a:ea typeface="+mn-ea"/>
+                <a:cs typeface="+mn-cs"/>
+              </a:rPr>
+              <a:t>y=0 </a:t>
+            </a:r>
+            <a:endParaRPr kumimoji="0" lang="en-IL" sz="1800" b="0" i="0" u="none" strike="noStrike" kern="1200" cap="none" spc="0" normalizeH="0" baseline="0" noProof="0" dirty="0">
+              <a:ln>
+                <a:noFill/>
+              </a:ln>
+              <a:solidFill>
+                <a:prstClr val="black"/>
+              </a:solidFill>
+              <a:effectLst/>
+              <a:uLnTx/>
+              <a:uFillTx/>
+              <a:latin typeface="Calibri" panose="020F0502020204030204"/>
+              <a:ea typeface="+mn-ea"/>
+              <a:cs typeface="+mn-cs"/>
+            </a:endParaRPr>
+          </a:p>
+        </p:txBody>
+      </p:sp>
+      <p:sp>
+        <p:nvSpPr>
+          <p:cNvPr id="13" name="TextBox 12">
+            <a:extLst>
+              <a:ext uri="{FF2B5EF4-FFF2-40B4-BE49-F238E27FC236}">
+                <a16:creationId xmlns:a16="http://schemas.microsoft.com/office/drawing/2014/main" id="{6A40E1F9-C357-9C39-D6C2-66CA40398CFA}"/>
+              </a:ext>
+            </a:extLst>
+          </p:cNvPr>
+          <p:cNvSpPr txBox="1"/>
+          <p:nvPr/>
+        </p:nvSpPr>
+        <p:spPr>
+          <a:xfrm>
+            <a:off x="1771842" y="4322097"/>
+            <a:ext cx="691215" cy="369332"/>
+          </a:xfrm>
+          <a:prstGeom prst="rect">
+            <a:avLst/>
+          </a:prstGeom>
+          <a:noFill/>
+        </p:spPr>
+        <p:txBody>
+          <a:bodyPr wrap="none" rtlCol="0">
+            <a:spAutoFit/>
+          </a:bodyPr>
+          <a:lstStyle/>
+          <a:p>
+            <a:pPr marL="0" marR="0" lvl="0" indent="0" algn="l" defTabSz="914400" rtl="0" eaLnBrk="1" fontAlgn="auto" latinLnBrk="0" hangingPunct="1">
+              <a:lnSpc>
+                <a:spcPct val="100000"/>
+              </a:lnSpc>
+              <a:spcBef>
+                <a:spcPts val="0"/>
+              </a:spcBef>
+              <a:spcAft>
+                <a:spcPts val="0"/>
+              </a:spcAft>
+              <a:buClrTx/>
+              <a:buSzTx/>
+              <a:buFontTx/>
+              <a:buNone/>
+              <a:tabLst/>
+              <a:defRPr/>
+            </a:pPr>
+            <a:r>
+              <a:rPr kumimoji="0" lang="en-US" sz="1800" b="0" i="0" u="none" strike="noStrike" kern="1200" cap="none" spc="0" normalizeH="0" baseline="0" noProof="0" dirty="0">
+                <a:ln>
+                  <a:noFill/>
+                </a:ln>
+                <a:solidFill>
+                  <a:prstClr val="black"/>
+                </a:solidFill>
+                <a:effectLst/>
+                <a:uLnTx/>
+                <a:uFillTx/>
+                <a:latin typeface="Calibri" panose="020F0502020204030204"/>
+                <a:ea typeface="+mn-ea"/>
+                <a:cs typeface="+mn-cs"/>
+              </a:rPr>
+              <a:t>y=63 </a:t>
+            </a:r>
+            <a:endParaRPr kumimoji="0" lang="en-IL" sz="1800" b="0" i="0" u="none" strike="noStrike" kern="1200" cap="none" spc="0" normalizeH="0" baseline="0" noProof="0" dirty="0">
+              <a:ln>
+                <a:noFill/>
+              </a:ln>
+              <a:solidFill>
+                <a:prstClr val="black"/>
+              </a:solidFill>
+              <a:effectLst/>
+              <a:uLnTx/>
+              <a:uFillTx/>
+              <a:latin typeface="Calibri" panose="020F0502020204030204"/>
+              <a:ea typeface="+mn-ea"/>
+              <a:cs typeface="+mn-cs"/>
+            </a:endParaRPr>
+          </a:p>
+        </p:txBody>
+      </p:sp>
+    </p:spTree>
+    <p:extLst>
+      <p:ext uri="{BB962C8B-B14F-4D97-AF65-F5344CB8AC3E}">
+        <p14:creationId xmlns:p14="http://schemas.microsoft.com/office/powerpoint/2010/main" val="2616819445"/>
+      </p:ext>
+    </p:extLst>
+  </p:cSld>
+  <p:clrMapOvr>
+    <a:masterClrMapping/>
+  </p:clrMapOvr>
+</p:sld>
+</file>
+
+<file path=ppt/slides/slide8.xml><?xml version="1.0" encoding="utf-8"?>
+<p:sld xmlns:a="http://schemas.openxmlformats.org/drawingml/2006/main" xmlns:r="http://schemas.openxmlformats.org/officeDocument/2006/relationships" xmlns:p="http://schemas.openxmlformats.org/presentationml/2006/main">
+  <p:cSld>
+    <p:spTree>
+      <p:nvGrpSpPr>
+        <p:cNvPr id="1" name=""/>
+        <p:cNvGrpSpPr/>
+        <p:nvPr/>
+      </p:nvGrpSpPr>
+      <p:grpSpPr>
+        <a:xfrm>
+          <a:off x="0" y="0"/>
+          <a:ext cx="0" cy="0"/>
+          <a:chOff x="0" y="0"/>
+          <a:chExt cx="0" cy="0"/>
+        </a:xfrm>
+      </p:grpSpPr>
+      <p:sp>
+        <p:nvSpPr>
+          <p:cNvPr id="4" name="Rectangle 3">
+            <a:extLst>
+              <a:ext uri="{FF2B5EF4-FFF2-40B4-BE49-F238E27FC236}">
+                <a16:creationId xmlns:a16="http://schemas.microsoft.com/office/drawing/2014/main" id="{F284F489-732C-231D-0465-6B806AE9F6FB}"/>
+              </a:ext>
+            </a:extLst>
+          </p:cNvPr>
+          <p:cNvSpPr/>
+          <p:nvPr/>
+        </p:nvSpPr>
+        <p:spPr>
+          <a:xfrm>
+            <a:off x="2837100" y="1894994"/>
+            <a:ext cx="5578764" cy="2798618"/>
+          </a:xfrm>
+          <a:prstGeom prst="rect">
+            <a:avLst/>
+          </a:prstGeom>
+        </p:spPr>
+        <p:style>
+          <a:lnRef idx="2">
+            <a:schemeClr val="accent1">
+              <a:shade val="15000"/>
+            </a:schemeClr>
+          </a:lnRef>
+          <a:fillRef idx="1">
+            <a:schemeClr val="accent1"/>
+          </a:fillRef>
+          <a:effectRef idx="0">
+            <a:schemeClr val="accent1"/>
+          </a:effectRef>
+          <a:fontRef idx="minor">
+            <a:schemeClr val="lt1"/>
+          </a:fontRef>
+        </p:style>
+        <p:txBody>
+          <a:bodyPr rtlCol="0" anchor="ctr"/>
+          <a:lstStyle/>
+          <a:p>
+            <a:pPr marL="0" marR="0" lvl="0" indent="0" algn="ctr" defTabSz="914400" rtl="0" eaLnBrk="1" fontAlgn="auto" latinLnBrk="0" hangingPunct="1">
+              <a:lnSpc>
+                <a:spcPct val="100000"/>
+              </a:lnSpc>
+              <a:spcBef>
+                <a:spcPts val="0"/>
+              </a:spcBef>
+              <a:spcAft>
+                <a:spcPts val="0"/>
+              </a:spcAft>
+              <a:buClrTx/>
+              <a:buSzTx/>
+              <a:buFontTx/>
+              <a:buNone/>
+              <a:tabLst/>
+              <a:defRPr/>
+            </a:pPr>
+            <a:endParaRPr kumimoji="0" lang="en-IL" sz="1800" b="0" i="0" u="none" strike="noStrike" kern="1200" cap="none" spc="0" normalizeH="0" baseline="0" noProof="0">
+              <a:ln>
+                <a:noFill/>
+              </a:ln>
+              <a:solidFill>
+                <a:prstClr val="white"/>
+              </a:solidFill>
+              <a:effectLst/>
+              <a:uLnTx/>
+              <a:uFillTx/>
+              <a:latin typeface="Calibri" panose="020F0502020204030204"/>
+              <a:ea typeface="+mn-ea"/>
+              <a:cs typeface="+mn-cs"/>
+            </a:endParaRPr>
+          </a:p>
+        </p:txBody>
+      </p:sp>
+      <p:cxnSp>
+        <p:nvCxnSpPr>
+          <p:cNvPr id="6" name="Straight Arrow Connector 5">
+            <a:extLst>
+              <a:ext uri="{FF2B5EF4-FFF2-40B4-BE49-F238E27FC236}">
+                <a16:creationId xmlns:a16="http://schemas.microsoft.com/office/drawing/2014/main" id="{C500ACC0-8540-5A91-F703-BE6C4453E129}"/>
+              </a:ext>
+            </a:extLst>
+          </p:cNvPr>
+          <p:cNvCxnSpPr/>
+          <p:nvPr/>
+        </p:nvCxnSpPr>
+        <p:spPr>
+          <a:xfrm>
+            <a:off x="2860193" y="1617903"/>
+            <a:ext cx="5578764" cy="0"/>
+          </a:xfrm>
+          <a:prstGeom prst="straightConnector1">
+            <a:avLst/>
+          </a:prstGeom>
+          <a:ln>
+            <a:tailEnd type="triangle"/>
+          </a:ln>
+        </p:spPr>
+        <p:style>
+          <a:lnRef idx="1">
+            <a:schemeClr val="accent1"/>
+          </a:lnRef>
+          <a:fillRef idx="0">
+            <a:schemeClr val="accent1"/>
+          </a:fillRef>
+          <a:effectRef idx="0">
+            <a:schemeClr val="accent1"/>
+          </a:effectRef>
+          <a:fontRef idx="minor">
+            <a:schemeClr val="tx1"/>
+          </a:fontRef>
+        </p:style>
+      </p:cxnSp>
+      <p:cxnSp>
+        <p:nvCxnSpPr>
+          <p:cNvPr id="8" name="Straight Arrow Connector 7">
+            <a:extLst>
+              <a:ext uri="{FF2B5EF4-FFF2-40B4-BE49-F238E27FC236}">
+                <a16:creationId xmlns:a16="http://schemas.microsoft.com/office/drawing/2014/main" id="{62372A4F-85A8-E925-C6C6-303EA4CE9374}"/>
+              </a:ext>
+            </a:extLst>
+          </p:cNvPr>
+          <p:cNvCxnSpPr/>
+          <p:nvPr/>
+        </p:nvCxnSpPr>
+        <p:spPr>
+          <a:xfrm>
+            <a:off x="2499975" y="1894994"/>
+            <a:ext cx="0" cy="2798618"/>
+          </a:xfrm>
+          <a:prstGeom prst="straightConnector1">
+            <a:avLst/>
+          </a:prstGeom>
+          <a:ln>
+            <a:tailEnd type="triangle"/>
+          </a:ln>
+        </p:spPr>
+        <p:style>
+          <a:lnRef idx="1">
+            <a:schemeClr val="accent1"/>
+          </a:lnRef>
+          <a:fillRef idx="0">
+            <a:schemeClr val="accent1"/>
+          </a:fillRef>
+          <a:effectRef idx="0">
+            <a:schemeClr val="accent1"/>
+          </a:effectRef>
+          <a:fontRef idx="minor">
+            <a:schemeClr val="tx1"/>
+          </a:fontRef>
+        </p:style>
+      </p:cxnSp>
+      <p:sp>
+        <p:nvSpPr>
+          <p:cNvPr id="9" name="TextBox 8">
+            <a:extLst>
+              <a:ext uri="{FF2B5EF4-FFF2-40B4-BE49-F238E27FC236}">
+                <a16:creationId xmlns:a16="http://schemas.microsoft.com/office/drawing/2014/main" id="{99C23634-49BF-1C67-56C7-7965FBD83642}"/>
+              </a:ext>
+            </a:extLst>
+          </p:cNvPr>
+          <p:cNvSpPr txBox="1"/>
+          <p:nvPr/>
+        </p:nvSpPr>
+        <p:spPr>
+          <a:xfrm>
+            <a:off x="2860192" y="1894994"/>
+            <a:ext cx="873607" cy="369332"/>
+          </a:xfrm>
+          <a:prstGeom prst="rect">
+            <a:avLst/>
+          </a:prstGeom>
+          <a:noFill/>
+        </p:spPr>
+        <p:txBody>
+          <a:bodyPr wrap="square" rtlCol="0">
+            <a:spAutoFit/>
+          </a:bodyPr>
+          <a:lstStyle/>
+          <a:p>
+            <a:pPr marL="0" marR="0" lvl="0" indent="0" algn="l" defTabSz="914400" rtl="0" eaLnBrk="1" fontAlgn="auto" latinLnBrk="0" hangingPunct="1">
+              <a:lnSpc>
+                <a:spcPct val="100000"/>
+              </a:lnSpc>
+              <a:spcBef>
+                <a:spcPts val="0"/>
+              </a:spcBef>
+              <a:spcAft>
+                <a:spcPts val="0"/>
+              </a:spcAft>
+              <a:buClrTx/>
+              <a:buSzTx/>
+              <a:buFontTx/>
+              <a:buNone/>
+              <a:tabLst/>
+              <a:defRPr/>
+            </a:pPr>
+            <a:r>
+              <a:rPr kumimoji="0" lang="en-US" sz="1800" b="0" i="0" u="none" strike="noStrike" kern="1200" cap="none" spc="0" normalizeH="0" baseline="0" noProof="0" dirty="0">
+                <a:ln>
+                  <a:noFill/>
+                </a:ln>
+                <a:solidFill>
+                  <a:prstClr val="black"/>
+                </a:solidFill>
+                <a:effectLst/>
+                <a:uLnTx/>
+                <a:uFillTx/>
+                <a:latin typeface="Calibri" panose="020F0502020204030204"/>
+                <a:ea typeface="+mn-ea"/>
+                <a:cs typeface="+mn-cs"/>
+              </a:rPr>
+              <a:t>(0,0)</a:t>
+            </a:r>
+            <a:endParaRPr kumimoji="0" lang="en-IL" sz="1800" b="0" i="0" u="none" strike="noStrike" kern="1200" cap="none" spc="0" normalizeH="0" baseline="0" noProof="0" dirty="0">
+              <a:ln>
+                <a:noFill/>
+              </a:ln>
+              <a:solidFill>
+                <a:prstClr val="black"/>
+              </a:solidFill>
+              <a:effectLst/>
+              <a:uLnTx/>
+              <a:uFillTx/>
+              <a:latin typeface="Calibri" panose="020F0502020204030204"/>
+              <a:ea typeface="+mn-ea"/>
+              <a:cs typeface="+mn-cs"/>
+            </a:endParaRPr>
+          </a:p>
+        </p:txBody>
+      </p:sp>
+      <p:sp>
+        <p:nvSpPr>
+          <p:cNvPr id="10" name="TextBox 9">
+            <a:extLst>
+              <a:ext uri="{FF2B5EF4-FFF2-40B4-BE49-F238E27FC236}">
+                <a16:creationId xmlns:a16="http://schemas.microsoft.com/office/drawing/2014/main" id="{76E7E847-BEAB-8B17-D29D-23DE1E57A029}"/>
+              </a:ext>
+            </a:extLst>
+          </p:cNvPr>
+          <p:cNvSpPr txBox="1"/>
+          <p:nvPr/>
+        </p:nvSpPr>
+        <p:spPr>
+          <a:xfrm>
+            <a:off x="7673903" y="1931542"/>
+            <a:ext cx="1034472" cy="369332"/>
+          </a:xfrm>
+          <a:prstGeom prst="rect">
+            <a:avLst/>
+          </a:prstGeom>
+          <a:noFill/>
+        </p:spPr>
+        <p:txBody>
+          <a:bodyPr wrap="square" rtlCol="0">
+            <a:spAutoFit/>
+          </a:bodyPr>
+          <a:lstStyle/>
+          <a:p>
+            <a:pPr marL="0" marR="0" lvl="0" indent="0" algn="l" defTabSz="914400" rtl="0" eaLnBrk="1" fontAlgn="auto" latinLnBrk="0" hangingPunct="1">
+              <a:lnSpc>
+                <a:spcPct val="100000"/>
+              </a:lnSpc>
+              <a:spcBef>
+                <a:spcPts val="0"/>
+              </a:spcBef>
+              <a:spcAft>
+                <a:spcPts val="0"/>
+              </a:spcAft>
+              <a:buClrTx/>
+              <a:buSzTx/>
+              <a:buFontTx/>
+              <a:buNone/>
+              <a:tabLst/>
+              <a:defRPr/>
+            </a:pPr>
+            <a:r>
+              <a:rPr kumimoji="0" lang="en-US" sz="1800" b="0" i="0" u="none" strike="noStrike" kern="1200" cap="none" spc="0" normalizeH="0" baseline="0" noProof="0" dirty="0">
+                <a:ln>
+                  <a:noFill/>
+                </a:ln>
+                <a:solidFill>
+                  <a:prstClr val="black"/>
+                </a:solidFill>
+                <a:effectLst/>
+                <a:uLnTx/>
+                <a:uFillTx/>
+                <a:latin typeface="Calibri" panose="020F0502020204030204"/>
+                <a:ea typeface="+mn-ea"/>
+                <a:cs typeface="+mn-cs"/>
+              </a:rPr>
+              <a:t>(127,0)</a:t>
+            </a:r>
+            <a:endParaRPr kumimoji="0" lang="en-IL" sz="1800" b="0" i="0" u="none" strike="noStrike" kern="1200" cap="none" spc="0" normalizeH="0" baseline="0" noProof="0" dirty="0">
+              <a:ln>
+                <a:noFill/>
+              </a:ln>
+              <a:solidFill>
+                <a:prstClr val="black"/>
+              </a:solidFill>
+              <a:effectLst/>
+              <a:uLnTx/>
+              <a:uFillTx/>
+              <a:latin typeface="Calibri" panose="020F0502020204030204"/>
+              <a:ea typeface="+mn-ea"/>
+              <a:cs typeface="+mn-cs"/>
+            </a:endParaRPr>
+          </a:p>
+        </p:txBody>
+      </p:sp>
+      <p:sp>
+        <p:nvSpPr>
+          <p:cNvPr id="11" name="TextBox 10">
+            <a:extLst>
+              <a:ext uri="{FF2B5EF4-FFF2-40B4-BE49-F238E27FC236}">
+                <a16:creationId xmlns:a16="http://schemas.microsoft.com/office/drawing/2014/main" id="{B6DCF8CF-62A6-34AE-9431-EE32A65DACE7}"/>
+              </a:ext>
+            </a:extLst>
+          </p:cNvPr>
+          <p:cNvSpPr txBox="1"/>
+          <p:nvPr/>
+        </p:nvSpPr>
+        <p:spPr>
+          <a:xfrm>
+            <a:off x="2860193" y="4324156"/>
+            <a:ext cx="1034470" cy="369332"/>
+          </a:xfrm>
+          <a:prstGeom prst="rect">
+            <a:avLst/>
+          </a:prstGeom>
+          <a:noFill/>
+        </p:spPr>
+        <p:txBody>
+          <a:bodyPr wrap="square" rtlCol="0">
+            <a:spAutoFit/>
+          </a:bodyPr>
+          <a:lstStyle/>
+          <a:p>
+            <a:pPr marL="0" marR="0" lvl="0" indent="0" algn="l" defTabSz="914400" rtl="0" eaLnBrk="1" fontAlgn="auto" latinLnBrk="0" hangingPunct="1">
+              <a:lnSpc>
+                <a:spcPct val="100000"/>
+              </a:lnSpc>
+              <a:spcBef>
+                <a:spcPts val="0"/>
+              </a:spcBef>
+              <a:spcAft>
+                <a:spcPts val="0"/>
+              </a:spcAft>
+              <a:buClrTx/>
+              <a:buSzTx/>
+              <a:buFontTx/>
+              <a:buNone/>
+              <a:tabLst/>
+              <a:defRPr/>
+            </a:pPr>
+            <a:r>
+              <a:rPr kumimoji="0" lang="en-US" sz="1800" b="0" i="0" u="none" strike="noStrike" kern="1200" cap="none" spc="0" normalizeH="0" baseline="0" noProof="0" dirty="0">
+                <a:ln>
+                  <a:noFill/>
+                </a:ln>
+                <a:solidFill>
+                  <a:prstClr val="black"/>
+                </a:solidFill>
+                <a:effectLst/>
+                <a:uLnTx/>
+                <a:uFillTx/>
+                <a:latin typeface="Calibri" panose="020F0502020204030204"/>
+                <a:ea typeface="+mn-ea"/>
+                <a:cs typeface="+mn-cs"/>
+              </a:rPr>
+              <a:t>(0, 63)</a:t>
+            </a:r>
+            <a:endParaRPr kumimoji="0" lang="en-IL" sz="1800" b="0" i="0" u="none" strike="noStrike" kern="1200" cap="none" spc="0" normalizeH="0" baseline="0" noProof="0" dirty="0">
+              <a:ln>
+                <a:noFill/>
+              </a:ln>
+              <a:solidFill>
+                <a:prstClr val="black"/>
+              </a:solidFill>
+              <a:effectLst/>
+              <a:uLnTx/>
+              <a:uFillTx/>
+              <a:latin typeface="Calibri" panose="020F0502020204030204"/>
+              <a:ea typeface="+mn-ea"/>
+              <a:cs typeface="+mn-cs"/>
+            </a:endParaRPr>
+          </a:p>
+        </p:txBody>
+      </p:sp>
+      <p:sp>
+        <p:nvSpPr>
+          <p:cNvPr id="12" name="TextBox 11">
+            <a:extLst>
+              <a:ext uri="{FF2B5EF4-FFF2-40B4-BE49-F238E27FC236}">
+                <a16:creationId xmlns:a16="http://schemas.microsoft.com/office/drawing/2014/main" id="{09D32E0E-93FE-7A8A-6AD0-8F49A0E2322E}"/>
+              </a:ext>
+            </a:extLst>
+          </p:cNvPr>
+          <p:cNvSpPr txBox="1"/>
+          <p:nvPr/>
+        </p:nvSpPr>
+        <p:spPr>
+          <a:xfrm>
+            <a:off x="7458368" y="4322097"/>
+            <a:ext cx="1383145" cy="369332"/>
+          </a:xfrm>
+          <a:prstGeom prst="rect">
+            <a:avLst/>
+          </a:prstGeom>
+          <a:noFill/>
+        </p:spPr>
+        <p:txBody>
+          <a:bodyPr wrap="square" rtlCol="0">
+            <a:spAutoFit/>
+          </a:bodyPr>
+          <a:lstStyle/>
+          <a:p>
+            <a:pPr marL="0" marR="0" lvl="0" indent="0" algn="l" defTabSz="914400" rtl="0" eaLnBrk="1" fontAlgn="auto" latinLnBrk="0" hangingPunct="1">
+              <a:lnSpc>
+                <a:spcPct val="100000"/>
+              </a:lnSpc>
+              <a:spcBef>
+                <a:spcPts val="0"/>
+              </a:spcBef>
+              <a:spcAft>
+                <a:spcPts val="0"/>
+              </a:spcAft>
+              <a:buClrTx/>
+              <a:buSzTx/>
+              <a:buFontTx/>
+              <a:buNone/>
+              <a:tabLst/>
+              <a:defRPr/>
+            </a:pPr>
+            <a:r>
+              <a:rPr kumimoji="0" lang="en-US" sz="1800" b="0" i="0" u="none" strike="noStrike" kern="1200" cap="none" spc="0" normalizeH="0" baseline="0" noProof="0" dirty="0">
+                <a:ln>
+                  <a:noFill/>
+                </a:ln>
+                <a:solidFill>
+                  <a:prstClr val="black"/>
+                </a:solidFill>
+                <a:effectLst/>
+                <a:uLnTx/>
+                <a:uFillTx/>
+                <a:latin typeface="Calibri" panose="020F0502020204030204"/>
+                <a:ea typeface="+mn-ea"/>
+                <a:cs typeface="+mn-cs"/>
+              </a:rPr>
+              <a:t>(127, 63)</a:t>
+            </a:r>
+            <a:endParaRPr kumimoji="0" lang="en-IL" sz="1800" b="0" i="0" u="none" strike="noStrike" kern="1200" cap="none" spc="0" normalizeH="0" baseline="0" noProof="0" dirty="0">
+              <a:ln>
+                <a:noFill/>
+              </a:ln>
+              <a:solidFill>
+                <a:prstClr val="black"/>
+              </a:solidFill>
+              <a:effectLst/>
+              <a:uLnTx/>
+              <a:uFillTx/>
+              <a:latin typeface="Calibri" panose="020F0502020204030204"/>
+              <a:ea typeface="+mn-ea"/>
+              <a:cs typeface="+mn-cs"/>
+            </a:endParaRPr>
+          </a:p>
+        </p:txBody>
+      </p:sp>
+      <p:sp>
+        <p:nvSpPr>
+          <p:cNvPr id="2" name="TextBox 1">
+            <a:extLst>
+              <a:ext uri="{FF2B5EF4-FFF2-40B4-BE49-F238E27FC236}">
+                <a16:creationId xmlns:a16="http://schemas.microsoft.com/office/drawing/2014/main" id="{5341EC12-18F9-A742-55EF-1200503D5431}"/>
+              </a:ext>
+            </a:extLst>
+          </p:cNvPr>
+          <p:cNvSpPr txBox="1"/>
+          <p:nvPr/>
+        </p:nvSpPr>
+        <p:spPr>
+          <a:xfrm>
+            <a:off x="9499599" y="1617903"/>
+            <a:ext cx="639919" cy="369332"/>
+          </a:xfrm>
+          <a:prstGeom prst="rect">
+            <a:avLst/>
+          </a:prstGeom>
+          <a:noFill/>
+        </p:spPr>
+        <p:txBody>
+          <a:bodyPr wrap="none" rtlCol="0">
+            <a:spAutoFit/>
+          </a:bodyPr>
+          <a:lstStyle/>
+          <a:p>
+            <a:pPr marL="0" marR="0" lvl="0" indent="0" algn="l" defTabSz="914400" rtl="0" eaLnBrk="1" fontAlgn="auto" latinLnBrk="0" hangingPunct="1">
+              <a:lnSpc>
+                <a:spcPct val="100000"/>
+              </a:lnSpc>
+              <a:spcBef>
+                <a:spcPts val="0"/>
+              </a:spcBef>
+              <a:spcAft>
+                <a:spcPts val="0"/>
+              </a:spcAft>
+              <a:buClrTx/>
+              <a:buSzTx/>
+              <a:buFontTx/>
+              <a:buNone/>
+              <a:tabLst/>
+              <a:defRPr/>
+            </a:pPr>
+            <a:r>
+              <a:rPr kumimoji="0" lang="en-US" sz="1800" b="0" i="0" u="none" strike="noStrike" kern="1200" cap="none" spc="0" normalizeH="0" baseline="0" noProof="0" dirty="0">
+                <a:ln>
+                  <a:noFill/>
+                </a:ln>
+                <a:solidFill>
+                  <a:prstClr val="black"/>
+                </a:solidFill>
+                <a:effectLst/>
+                <a:uLnTx/>
+                <a:uFillTx/>
+                <a:latin typeface="Calibri" panose="020F0502020204030204"/>
+                <a:ea typeface="+mn-ea"/>
+                <a:cs typeface="+mn-cs"/>
+              </a:rPr>
+              <a:t>(x, y)</a:t>
+            </a:r>
+            <a:endParaRPr kumimoji="0" lang="en-IL" sz="1800" b="0" i="0" u="none" strike="noStrike" kern="1200" cap="none" spc="0" normalizeH="0" baseline="0" noProof="0" dirty="0">
+              <a:ln>
+                <a:noFill/>
+              </a:ln>
+              <a:solidFill>
+                <a:prstClr val="black"/>
+              </a:solidFill>
+              <a:effectLst/>
+              <a:uLnTx/>
+              <a:uFillTx/>
+              <a:latin typeface="Calibri" panose="020F0502020204030204"/>
+              <a:ea typeface="+mn-ea"/>
+              <a:cs typeface="+mn-cs"/>
+            </a:endParaRPr>
+          </a:p>
+        </p:txBody>
+      </p:sp>
+      <p:sp>
+        <p:nvSpPr>
+          <p:cNvPr id="3" name="TextBox 2">
+            <a:extLst>
+              <a:ext uri="{FF2B5EF4-FFF2-40B4-BE49-F238E27FC236}">
+                <a16:creationId xmlns:a16="http://schemas.microsoft.com/office/drawing/2014/main" id="{76E42123-E8AE-F9F4-9719-4536673F76CE}"/>
+              </a:ext>
+            </a:extLst>
+          </p:cNvPr>
+          <p:cNvSpPr txBox="1"/>
+          <p:nvPr/>
+        </p:nvSpPr>
+        <p:spPr>
+          <a:xfrm>
+            <a:off x="2794233" y="1230348"/>
+            <a:ext cx="590226" cy="369332"/>
+          </a:xfrm>
+          <a:prstGeom prst="rect">
+            <a:avLst/>
+          </a:prstGeom>
+          <a:noFill/>
+        </p:spPr>
+        <p:txBody>
+          <a:bodyPr wrap="none" rtlCol="0">
+            <a:spAutoFit/>
+          </a:bodyPr>
+          <a:lstStyle/>
+          <a:p>
+            <a:pPr marL="0" marR="0" lvl="0" indent="0" algn="l" defTabSz="914400" rtl="0" eaLnBrk="1" fontAlgn="auto" latinLnBrk="0" hangingPunct="1">
+              <a:lnSpc>
+                <a:spcPct val="100000"/>
+              </a:lnSpc>
+              <a:spcBef>
+                <a:spcPts val="0"/>
+              </a:spcBef>
+              <a:spcAft>
+                <a:spcPts val="0"/>
+              </a:spcAft>
+              <a:buClrTx/>
+              <a:buSzTx/>
+              <a:buFontTx/>
+              <a:buNone/>
+              <a:tabLst/>
+              <a:defRPr/>
+            </a:pPr>
+            <a:r>
+              <a:rPr kumimoji="0" lang="en-US" sz="1800" b="0" i="0" u="none" strike="noStrike" kern="1200" cap="none" spc="0" normalizeH="0" baseline="0" noProof="0" dirty="0">
+                <a:ln>
+                  <a:noFill/>
+                </a:ln>
+                <a:solidFill>
+                  <a:prstClr val="black"/>
+                </a:solidFill>
+                <a:effectLst/>
+                <a:uLnTx/>
+                <a:uFillTx/>
+                <a:latin typeface="Calibri" panose="020F0502020204030204"/>
+                <a:ea typeface="+mn-ea"/>
+                <a:cs typeface="+mn-cs"/>
+              </a:rPr>
+              <a:t>X=0 </a:t>
+            </a:r>
+            <a:endParaRPr kumimoji="0" lang="en-IL" sz="1800" b="0" i="0" u="none" strike="noStrike" kern="1200" cap="none" spc="0" normalizeH="0" baseline="0" noProof="0" dirty="0">
+              <a:ln>
+                <a:noFill/>
+              </a:ln>
+              <a:solidFill>
+                <a:prstClr val="black"/>
+              </a:solidFill>
+              <a:effectLst/>
+              <a:uLnTx/>
+              <a:uFillTx/>
+              <a:latin typeface="Calibri" panose="020F0502020204030204"/>
+              <a:ea typeface="+mn-ea"/>
+              <a:cs typeface="+mn-cs"/>
+            </a:endParaRPr>
+          </a:p>
+        </p:txBody>
+      </p:sp>
+      <p:sp>
+        <p:nvSpPr>
+          <p:cNvPr id="5" name="TextBox 4">
+            <a:extLst>
+              <a:ext uri="{FF2B5EF4-FFF2-40B4-BE49-F238E27FC236}">
+                <a16:creationId xmlns:a16="http://schemas.microsoft.com/office/drawing/2014/main" id="{DE1F9266-C71A-9944-2C9A-FA8641D20CE7}"/>
+              </a:ext>
+            </a:extLst>
+          </p:cNvPr>
+          <p:cNvSpPr txBox="1"/>
+          <p:nvPr/>
+        </p:nvSpPr>
+        <p:spPr>
+          <a:xfrm>
+            <a:off x="7779007" y="1230348"/>
+            <a:ext cx="824265" cy="369332"/>
+          </a:xfrm>
+          <a:prstGeom prst="rect">
+            <a:avLst/>
+          </a:prstGeom>
+          <a:noFill/>
+        </p:spPr>
+        <p:txBody>
+          <a:bodyPr wrap="none" rtlCol="0">
+            <a:spAutoFit/>
+          </a:bodyPr>
+          <a:lstStyle/>
+          <a:p>
+            <a:pPr marL="0" marR="0" lvl="0" indent="0" algn="l" defTabSz="914400" rtl="0" eaLnBrk="1" fontAlgn="auto" latinLnBrk="0" hangingPunct="1">
+              <a:lnSpc>
+                <a:spcPct val="100000"/>
+              </a:lnSpc>
+              <a:spcBef>
+                <a:spcPts val="0"/>
+              </a:spcBef>
+              <a:spcAft>
+                <a:spcPts val="0"/>
+              </a:spcAft>
+              <a:buClrTx/>
+              <a:buSzTx/>
+              <a:buFontTx/>
+              <a:buNone/>
+              <a:tabLst/>
+              <a:defRPr/>
+            </a:pPr>
+            <a:r>
+              <a:rPr kumimoji="0" lang="en-US" sz="1800" b="0" i="0" u="none" strike="noStrike" kern="1200" cap="none" spc="0" normalizeH="0" baseline="0" noProof="0" dirty="0">
+                <a:ln>
+                  <a:noFill/>
+                </a:ln>
+                <a:solidFill>
+                  <a:prstClr val="black"/>
+                </a:solidFill>
+                <a:effectLst/>
+                <a:uLnTx/>
+                <a:uFillTx/>
+                <a:latin typeface="Calibri" panose="020F0502020204030204"/>
+                <a:ea typeface="+mn-ea"/>
+                <a:cs typeface="+mn-cs"/>
+              </a:rPr>
+              <a:t>X=127 </a:t>
+            </a:r>
+            <a:endParaRPr kumimoji="0" lang="en-IL" sz="1800" b="0" i="0" u="none" strike="noStrike" kern="1200" cap="none" spc="0" normalizeH="0" baseline="0" noProof="0" dirty="0">
+              <a:ln>
+                <a:noFill/>
+              </a:ln>
+              <a:solidFill>
+                <a:prstClr val="black"/>
+              </a:solidFill>
+              <a:effectLst/>
+              <a:uLnTx/>
+              <a:uFillTx/>
+              <a:latin typeface="Calibri" panose="020F0502020204030204"/>
+              <a:ea typeface="+mn-ea"/>
+              <a:cs typeface="+mn-cs"/>
+            </a:endParaRPr>
+          </a:p>
+        </p:txBody>
+      </p:sp>
+      <p:sp>
+        <p:nvSpPr>
+          <p:cNvPr id="7" name="TextBox 6">
+            <a:extLst>
+              <a:ext uri="{FF2B5EF4-FFF2-40B4-BE49-F238E27FC236}">
+                <a16:creationId xmlns:a16="http://schemas.microsoft.com/office/drawing/2014/main" id="{2D90E5F1-8ED2-F492-28A0-FD5F8A02FEBE}"/>
+              </a:ext>
+            </a:extLst>
+          </p:cNvPr>
+          <p:cNvSpPr txBox="1"/>
+          <p:nvPr/>
+        </p:nvSpPr>
+        <p:spPr>
+          <a:xfrm>
+            <a:off x="1729641" y="1931542"/>
+            <a:ext cx="590226" cy="369332"/>
+          </a:xfrm>
+          <a:prstGeom prst="rect">
+            <a:avLst/>
+          </a:prstGeom>
+          <a:noFill/>
+        </p:spPr>
+        <p:txBody>
+          <a:bodyPr wrap="none" rtlCol="0">
+            <a:spAutoFit/>
+          </a:bodyPr>
+          <a:lstStyle/>
+          <a:p>
+            <a:pPr marL="0" marR="0" lvl="0" indent="0" algn="l" defTabSz="914400" rtl="0" eaLnBrk="1" fontAlgn="auto" latinLnBrk="0" hangingPunct="1">
+              <a:lnSpc>
+                <a:spcPct val="100000"/>
+              </a:lnSpc>
+              <a:spcBef>
+                <a:spcPts val="0"/>
+              </a:spcBef>
+              <a:spcAft>
+                <a:spcPts val="0"/>
+              </a:spcAft>
+              <a:buClrTx/>
+              <a:buSzTx/>
+              <a:buFontTx/>
+              <a:buNone/>
+              <a:tabLst/>
+              <a:defRPr/>
+            </a:pPr>
+            <a:r>
+              <a:rPr kumimoji="0" lang="en-US" sz="1800" b="0" i="0" u="none" strike="noStrike" kern="1200" cap="none" spc="0" normalizeH="0" baseline="0" noProof="0" dirty="0">
+                <a:ln>
+                  <a:noFill/>
+                </a:ln>
+                <a:solidFill>
+                  <a:prstClr val="black"/>
+                </a:solidFill>
+                <a:effectLst/>
+                <a:uLnTx/>
+                <a:uFillTx/>
+                <a:latin typeface="Calibri" panose="020F0502020204030204"/>
+                <a:ea typeface="+mn-ea"/>
+                <a:cs typeface="+mn-cs"/>
+              </a:rPr>
+              <a:t>y=0 </a:t>
+            </a:r>
+            <a:endParaRPr kumimoji="0" lang="en-IL" sz="1800" b="0" i="0" u="none" strike="noStrike" kern="1200" cap="none" spc="0" normalizeH="0" baseline="0" noProof="0" dirty="0">
+              <a:ln>
+                <a:noFill/>
+              </a:ln>
+              <a:solidFill>
+                <a:prstClr val="black"/>
+              </a:solidFill>
+              <a:effectLst/>
+              <a:uLnTx/>
+              <a:uFillTx/>
+              <a:latin typeface="Calibri" panose="020F0502020204030204"/>
+              <a:ea typeface="+mn-ea"/>
+              <a:cs typeface="+mn-cs"/>
+            </a:endParaRPr>
+          </a:p>
+        </p:txBody>
+      </p:sp>
+      <p:sp>
+        <p:nvSpPr>
+          <p:cNvPr id="13" name="TextBox 12">
+            <a:extLst>
+              <a:ext uri="{FF2B5EF4-FFF2-40B4-BE49-F238E27FC236}">
+                <a16:creationId xmlns:a16="http://schemas.microsoft.com/office/drawing/2014/main" id="{6A40E1F9-C357-9C39-D6C2-66CA40398CFA}"/>
+              </a:ext>
+            </a:extLst>
+          </p:cNvPr>
+          <p:cNvSpPr txBox="1"/>
+          <p:nvPr/>
+        </p:nvSpPr>
+        <p:spPr>
+          <a:xfrm>
+            <a:off x="1771842" y="4322097"/>
+            <a:ext cx="691215" cy="369332"/>
+          </a:xfrm>
+          <a:prstGeom prst="rect">
+            <a:avLst/>
+          </a:prstGeom>
+          <a:noFill/>
+        </p:spPr>
+        <p:txBody>
+          <a:bodyPr wrap="none" rtlCol="0">
+            <a:spAutoFit/>
+          </a:bodyPr>
+          <a:lstStyle/>
+          <a:p>
+            <a:pPr marL="0" marR="0" lvl="0" indent="0" algn="l" defTabSz="914400" rtl="0" eaLnBrk="1" fontAlgn="auto" latinLnBrk="0" hangingPunct="1">
+              <a:lnSpc>
+                <a:spcPct val="100000"/>
+              </a:lnSpc>
+              <a:spcBef>
+                <a:spcPts val="0"/>
+              </a:spcBef>
+              <a:spcAft>
+                <a:spcPts val="0"/>
+              </a:spcAft>
+              <a:buClrTx/>
+              <a:buSzTx/>
+              <a:buFontTx/>
+              <a:buNone/>
+              <a:tabLst/>
+              <a:defRPr/>
+            </a:pPr>
+            <a:r>
+              <a:rPr kumimoji="0" lang="en-US" sz="1800" b="0" i="0" u="none" strike="noStrike" kern="1200" cap="none" spc="0" normalizeH="0" baseline="0" noProof="0" dirty="0">
+                <a:ln>
+                  <a:noFill/>
+                </a:ln>
+                <a:solidFill>
+                  <a:prstClr val="black"/>
+                </a:solidFill>
+                <a:effectLst/>
+                <a:uLnTx/>
+                <a:uFillTx/>
+                <a:latin typeface="Calibri" panose="020F0502020204030204"/>
+                <a:ea typeface="+mn-ea"/>
+                <a:cs typeface="+mn-cs"/>
+              </a:rPr>
+              <a:t>y=63 </a:t>
+            </a:r>
+            <a:endParaRPr kumimoji="0" lang="en-IL" sz="1800" b="0" i="0" u="none" strike="noStrike" kern="1200" cap="none" spc="0" normalizeH="0" baseline="0" noProof="0" dirty="0">
+              <a:ln>
+                <a:noFill/>
+              </a:ln>
+              <a:solidFill>
+                <a:prstClr val="black"/>
+              </a:solidFill>
+              <a:effectLst/>
+              <a:uLnTx/>
+              <a:uFillTx/>
+              <a:latin typeface="Calibri" panose="020F0502020204030204"/>
+              <a:ea typeface="+mn-ea"/>
+              <a:cs typeface="+mn-cs"/>
+            </a:endParaRPr>
+          </a:p>
+        </p:txBody>
+      </p:sp>
+      <p:sp>
+        <p:nvSpPr>
+          <p:cNvPr id="14" name="TextBox 13">
+            <a:extLst>
+              <a:ext uri="{FF2B5EF4-FFF2-40B4-BE49-F238E27FC236}">
+                <a16:creationId xmlns:a16="http://schemas.microsoft.com/office/drawing/2014/main" id="{4752EAAA-7F34-D879-F061-4AE7B23953C3}"/>
+              </a:ext>
+            </a:extLst>
+          </p:cNvPr>
+          <p:cNvSpPr txBox="1"/>
+          <p:nvPr/>
+        </p:nvSpPr>
+        <p:spPr>
+          <a:xfrm>
+            <a:off x="3894663" y="2441081"/>
+            <a:ext cx="590226" cy="369332"/>
+          </a:xfrm>
+          <a:prstGeom prst="rect">
+            <a:avLst/>
+          </a:prstGeom>
+          <a:noFill/>
+        </p:spPr>
+        <p:txBody>
+          <a:bodyPr wrap="none" rtlCol="0">
+            <a:spAutoFit/>
+          </a:bodyPr>
+          <a:lstStyle/>
+          <a:p>
+            <a:pPr marL="0" marR="0" lvl="0" indent="0" algn="l" defTabSz="914400" rtl="0" eaLnBrk="1" fontAlgn="auto" latinLnBrk="0" hangingPunct="1">
+              <a:lnSpc>
+                <a:spcPct val="100000"/>
+              </a:lnSpc>
+              <a:spcBef>
+                <a:spcPts val="0"/>
+              </a:spcBef>
+              <a:spcAft>
+                <a:spcPts val="0"/>
+              </a:spcAft>
+              <a:buClrTx/>
+              <a:buSzTx/>
+              <a:buFontTx/>
+              <a:buNone/>
+              <a:tabLst/>
+              <a:defRPr/>
+            </a:pPr>
+            <a:r>
+              <a:rPr kumimoji="0" lang="en-US" sz="1800" b="0" i="0" u="none" strike="noStrike" kern="1200" cap="none" spc="0" normalizeH="0" baseline="0" noProof="0" dirty="0">
+                <a:ln>
+                  <a:noFill/>
+                </a:ln>
+                <a:solidFill>
+                  <a:prstClr val="black"/>
+                </a:solidFill>
+                <a:effectLst/>
+                <a:uLnTx/>
+                <a:uFillTx/>
+                <a:latin typeface="Calibri" panose="020F0502020204030204"/>
+                <a:ea typeface="+mn-ea"/>
+                <a:cs typeface="+mn-cs"/>
+              </a:rPr>
+              <a:t>X=0 </a:t>
+            </a:r>
+            <a:endParaRPr kumimoji="0" lang="en-IL" sz="1800" b="0" i="0" u="none" strike="noStrike" kern="1200" cap="none" spc="0" normalizeH="0" baseline="0" noProof="0" dirty="0">
+              <a:ln>
+                <a:noFill/>
+              </a:ln>
+              <a:solidFill>
+                <a:prstClr val="black"/>
+              </a:solidFill>
+              <a:effectLst/>
+              <a:uLnTx/>
+              <a:uFillTx/>
+              <a:latin typeface="Calibri" panose="020F0502020204030204"/>
+              <a:ea typeface="+mn-ea"/>
+              <a:cs typeface="+mn-cs"/>
+            </a:endParaRPr>
+          </a:p>
+        </p:txBody>
+      </p:sp>
+      <p:sp>
+        <p:nvSpPr>
+          <p:cNvPr id="15" name="Rectangle 14">
+            <a:extLst>
+              <a:ext uri="{FF2B5EF4-FFF2-40B4-BE49-F238E27FC236}">
+                <a16:creationId xmlns:a16="http://schemas.microsoft.com/office/drawing/2014/main" id="{4A773DBD-E3DA-BE9F-DC97-0F4AEC181B77}"/>
+              </a:ext>
+            </a:extLst>
+          </p:cNvPr>
+          <p:cNvSpPr/>
+          <p:nvPr/>
+        </p:nvSpPr>
+        <p:spPr>
+          <a:xfrm>
+            <a:off x="2929467" y="1931542"/>
+            <a:ext cx="2658534" cy="1361991"/>
+          </a:xfrm>
+          <a:prstGeom prst="rect">
+            <a:avLst/>
+          </a:prstGeom>
+          <a:noFill/>
+          <a:ln w="57150">
+            <a:solidFill>
+              <a:schemeClr val="bg1"/>
+            </a:solidFill>
+          </a:ln>
+        </p:spPr>
+        <p:style>
+          <a:lnRef idx="2">
+            <a:schemeClr val="accent1">
+              <a:shade val="15000"/>
+            </a:schemeClr>
+          </a:lnRef>
+          <a:fillRef idx="1">
+            <a:schemeClr val="accent1"/>
+          </a:fillRef>
+          <a:effectRef idx="0">
+            <a:schemeClr val="accent1"/>
+          </a:effectRef>
+          <a:fontRef idx="minor">
+            <a:schemeClr val="lt1"/>
+          </a:fontRef>
+        </p:style>
+        <p:txBody>
+          <a:bodyPr rtlCol="0" anchor="ctr"/>
+          <a:lstStyle/>
+          <a:p>
+            <a:pPr marL="0" marR="0" lvl="0" indent="0" algn="ctr" defTabSz="914400" rtl="0" eaLnBrk="1" fontAlgn="auto" latinLnBrk="0" hangingPunct="1">
+              <a:lnSpc>
+                <a:spcPct val="100000"/>
+              </a:lnSpc>
+              <a:spcBef>
+                <a:spcPts val="0"/>
+              </a:spcBef>
+              <a:spcAft>
+                <a:spcPts val="0"/>
+              </a:spcAft>
+              <a:buClrTx/>
+              <a:buSzTx/>
+              <a:buFontTx/>
+              <a:buNone/>
+              <a:tabLst/>
+              <a:defRPr/>
+            </a:pPr>
+            <a:endParaRPr kumimoji="0" lang="en-IL" sz="1800" b="0" i="0" u="none" strike="noStrike" kern="1200" cap="none" spc="0" normalizeH="0" baseline="0" noProof="0">
+              <a:ln>
+                <a:noFill/>
+              </a:ln>
+              <a:solidFill>
+                <a:prstClr val="white"/>
+              </a:solidFill>
+              <a:effectLst/>
+              <a:uLnTx/>
+              <a:uFillTx/>
+              <a:latin typeface="Calibri" panose="020F0502020204030204"/>
+              <a:ea typeface="+mn-ea"/>
+              <a:cs typeface="+mn-cs"/>
+            </a:endParaRPr>
+          </a:p>
+        </p:txBody>
+      </p:sp>
+      <p:sp>
+        <p:nvSpPr>
+          <p:cNvPr id="16" name="TextBox 15">
+            <a:extLst>
+              <a:ext uri="{FF2B5EF4-FFF2-40B4-BE49-F238E27FC236}">
+                <a16:creationId xmlns:a16="http://schemas.microsoft.com/office/drawing/2014/main" id="{36FF04E3-8089-E746-AA9B-636FEFDCAA58}"/>
+              </a:ext>
+            </a:extLst>
+          </p:cNvPr>
+          <p:cNvSpPr txBox="1"/>
+          <p:nvPr/>
+        </p:nvSpPr>
+        <p:spPr>
+          <a:xfrm>
+            <a:off x="3739821" y="402614"/>
+            <a:ext cx="2505558" cy="369332"/>
+          </a:xfrm>
+          <a:prstGeom prst="rect">
+            <a:avLst/>
+          </a:prstGeom>
+          <a:noFill/>
+        </p:spPr>
+        <p:txBody>
+          <a:bodyPr wrap="none" rtlCol="0">
+            <a:spAutoFit/>
+          </a:bodyPr>
+          <a:lstStyle/>
+          <a:p>
+            <a:pPr marL="0" marR="0" lvl="0" indent="0" algn="l" defTabSz="914400" rtl="0" eaLnBrk="1" fontAlgn="auto" latinLnBrk="0" hangingPunct="1">
+              <a:lnSpc>
+                <a:spcPct val="100000"/>
+              </a:lnSpc>
+              <a:spcBef>
+                <a:spcPts val="0"/>
+              </a:spcBef>
+              <a:spcAft>
+                <a:spcPts val="0"/>
+              </a:spcAft>
+              <a:buClrTx/>
+              <a:buSzTx/>
+              <a:buFontTx/>
+              <a:buNone/>
+              <a:tabLst/>
+              <a:defRPr/>
+            </a:pPr>
+            <a:r>
+              <a:rPr kumimoji="0" lang="en-US" sz="1800" b="0" i="0" u="none" strike="noStrike" kern="1200" cap="none" spc="0" normalizeH="0" baseline="0" noProof="0" dirty="0" err="1">
+                <a:ln>
+                  <a:noFill/>
+                </a:ln>
+                <a:solidFill>
+                  <a:prstClr val="black"/>
+                </a:solidFill>
+                <a:effectLst/>
+                <a:uLnTx/>
+                <a:uFillTx/>
+                <a:latin typeface="Calibri" panose="020F0502020204030204"/>
+                <a:ea typeface="+mn-ea"/>
+                <a:cs typeface="+mn-cs"/>
+              </a:rPr>
+              <a:t>display.line</a:t>
+            </a:r>
+            <a:r>
+              <a:rPr kumimoji="0" lang="en-US" sz="1800" b="0" i="0" u="none" strike="noStrike" kern="1200" cap="none" spc="0" normalizeH="0" baseline="0" noProof="0" dirty="0">
+                <a:ln>
+                  <a:noFill/>
+                </a:ln>
+                <a:solidFill>
+                  <a:prstClr val="black"/>
+                </a:solidFill>
+                <a:effectLst/>
+                <a:uLnTx/>
+                <a:uFillTx/>
+                <a:latin typeface="Calibri" panose="020F0502020204030204"/>
+                <a:ea typeface="+mn-ea"/>
+                <a:cs typeface="+mn-cs"/>
+              </a:rPr>
+              <a:t>(0, 0, 63, 0, 1)</a:t>
+            </a:r>
+            <a:endParaRPr kumimoji="0" lang="en-IL" sz="1800" b="0" i="0" u="none" strike="noStrike" kern="1200" cap="none" spc="0" normalizeH="0" baseline="0" noProof="0" dirty="0">
+              <a:ln>
+                <a:noFill/>
+              </a:ln>
+              <a:solidFill>
+                <a:prstClr val="black"/>
+              </a:solidFill>
+              <a:effectLst/>
+              <a:uLnTx/>
+              <a:uFillTx/>
+              <a:latin typeface="Calibri" panose="020F0502020204030204"/>
+              <a:ea typeface="+mn-ea"/>
+              <a:cs typeface="+mn-cs"/>
+            </a:endParaRPr>
+          </a:p>
+        </p:txBody>
+      </p:sp>
+      <p:cxnSp>
+        <p:nvCxnSpPr>
+          <p:cNvPr id="18" name="Straight Arrow Connector 17">
+            <a:extLst>
+              <a:ext uri="{FF2B5EF4-FFF2-40B4-BE49-F238E27FC236}">
+                <a16:creationId xmlns:a16="http://schemas.microsoft.com/office/drawing/2014/main" id="{BAB25E29-5954-E4E7-96C2-4742A0A08739}"/>
+              </a:ext>
+            </a:extLst>
+          </p:cNvPr>
+          <p:cNvCxnSpPr/>
+          <p:nvPr/>
+        </p:nvCxnSpPr>
+        <p:spPr>
+          <a:xfrm flipH="1">
+            <a:off x="3979333" y="771946"/>
+            <a:ext cx="505556" cy="1159596"/>
+          </a:xfrm>
+          <a:prstGeom prst="straightConnector1">
+            <a:avLst/>
+          </a:prstGeom>
+          <a:ln>
+            <a:tailEnd type="triangle"/>
+          </a:ln>
+        </p:spPr>
+        <p:style>
+          <a:lnRef idx="1">
+            <a:schemeClr val="accent1"/>
+          </a:lnRef>
+          <a:fillRef idx="0">
+            <a:schemeClr val="accent1"/>
+          </a:fillRef>
+          <a:effectRef idx="0">
+            <a:schemeClr val="accent1"/>
+          </a:effectRef>
+          <a:fontRef idx="minor">
+            <a:schemeClr val="tx1"/>
+          </a:fontRef>
+        </p:style>
+      </p:cxnSp>
+      <p:sp>
+        <p:nvSpPr>
+          <p:cNvPr id="19" name="TextBox 18">
+            <a:extLst>
+              <a:ext uri="{FF2B5EF4-FFF2-40B4-BE49-F238E27FC236}">
+                <a16:creationId xmlns:a16="http://schemas.microsoft.com/office/drawing/2014/main" id="{10CAE629-C16C-225D-E1A5-5098E46DC110}"/>
+              </a:ext>
+            </a:extLst>
+          </p:cNvPr>
+          <p:cNvSpPr txBox="1"/>
+          <p:nvPr/>
+        </p:nvSpPr>
+        <p:spPr>
+          <a:xfrm>
+            <a:off x="5676268" y="3454836"/>
+            <a:ext cx="2739596" cy="369332"/>
+          </a:xfrm>
+          <a:prstGeom prst="rect">
+            <a:avLst/>
+          </a:prstGeom>
+          <a:noFill/>
+        </p:spPr>
+        <p:txBody>
+          <a:bodyPr wrap="none" rtlCol="0">
+            <a:spAutoFit/>
+          </a:bodyPr>
+          <a:lstStyle/>
+          <a:p>
+            <a:pPr marL="0" marR="0" lvl="0" indent="0" algn="l" defTabSz="914400" rtl="0" eaLnBrk="1" fontAlgn="auto" latinLnBrk="0" hangingPunct="1">
+              <a:lnSpc>
+                <a:spcPct val="100000"/>
+              </a:lnSpc>
+              <a:spcBef>
+                <a:spcPts val="0"/>
+              </a:spcBef>
+              <a:spcAft>
+                <a:spcPts val="0"/>
+              </a:spcAft>
+              <a:buClrTx/>
+              <a:buSzTx/>
+              <a:buFontTx/>
+              <a:buNone/>
+              <a:tabLst/>
+              <a:defRPr/>
+            </a:pPr>
+            <a:r>
+              <a:rPr kumimoji="0" lang="en-US" sz="1800" b="0" i="0" u="none" strike="noStrike" kern="1200" cap="none" spc="0" normalizeH="0" baseline="0" noProof="0" dirty="0" err="1">
+                <a:ln>
+                  <a:noFill/>
+                </a:ln>
+                <a:solidFill>
+                  <a:prstClr val="black"/>
+                </a:solidFill>
+                <a:effectLst/>
+                <a:uLnTx/>
+                <a:uFillTx/>
+                <a:latin typeface="Calibri" panose="020F0502020204030204"/>
+                <a:ea typeface="+mn-ea"/>
+                <a:cs typeface="+mn-cs"/>
+              </a:rPr>
+              <a:t>display.line</a:t>
+            </a:r>
+            <a:r>
+              <a:rPr kumimoji="0" lang="en-US" sz="1800" b="0" i="0" u="none" strike="noStrike" kern="1200" cap="none" spc="0" normalizeH="0" baseline="0" noProof="0" dirty="0">
+                <a:ln>
+                  <a:noFill/>
+                </a:ln>
+                <a:solidFill>
+                  <a:prstClr val="black"/>
+                </a:solidFill>
+                <a:effectLst/>
+                <a:uLnTx/>
+                <a:uFillTx/>
+                <a:latin typeface="Calibri" panose="020F0502020204030204"/>
+                <a:ea typeface="+mn-ea"/>
+                <a:cs typeface="+mn-cs"/>
+              </a:rPr>
+              <a:t>(63, 0, 63, 32, 1)</a:t>
+            </a:r>
+            <a:endParaRPr kumimoji="0" lang="en-IL" sz="1800" b="0" i="0" u="none" strike="noStrike" kern="1200" cap="none" spc="0" normalizeH="0" baseline="0" noProof="0" dirty="0">
+              <a:ln>
+                <a:noFill/>
+              </a:ln>
+              <a:solidFill>
+                <a:prstClr val="black"/>
+              </a:solidFill>
+              <a:effectLst/>
+              <a:uLnTx/>
+              <a:uFillTx/>
+              <a:latin typeface="Calibri" panose="020F0502020204030204"/>
+              <a:ea typeface="+mn-ea"/>
+              <a:cs typeface="+mn-cs"/>
+            </a:endParaRPr>
+          </a:p>
+        </p:txBody>
+      </p:sp>
+      <p:cxnSp>
+        <p:nvCxnSpPr>
+          <p:cNvPr id="20" name="Straight Arrow Connector 19">
+            <a:extLst>
+              <a:ext uri="{FF2B5EF4-FFF2-40B4-BE49-F238E27FC236}">
+                <a16:creationId xmlns:a16="http://schemas.microsoft.com/office/drawing/2014/main" id="{4F60C957-F4BB-3BC4-CBF1-7CE08BC7D1BD}"/>
+              </a:ext>
+            </a:extLst>
+          </p:cNvPr>
+          <p:cNvCxnSpPr>
+            <a:cxnSpLocks/>
+          </p:cNvCxnSpPr>
+          <p:nvPr/>
+        </p:nvCxnSpPr>
+        <p:spPr>
+          <a:xfrm flipH="1" flipV="1">
+            <a:off x="5607378" y="2845360"/>
+            <a:ext cx="601767" cy="583640"/>
+          </a:xfrm>
+          <a:prstGeom prst="straightConnector1">
+            <a:avLst/>
+          </a:prstGeom>
+          <a:ln>
+            <a:solidFill>
+              <a:schemeClr val="bg1"/>
+            </a:solidFill>
+            <a:tailEnd type="triangle"/>
+          </a:ln>
         </p:spPr>
         <p:style>
           <a:lnRef idx="1">
@@ -4945,7 +8362,7 @@
     </p:spTree>
     <p:extLst>
       <p:ext uri="{BB962C8B-B14F-4D97-AF65-F5344CB8AC3E}">
-        <p14:creationId xmlns:p14="http://schemas.microsoft.com/office/powerpoint/2010/main" val="1557599398"/>
+        <p14:creationId xmlns:p14="http://schemas.microsoft.com/office/powerpoint/2010/main" val="3272999743"/>
       </p:ext>
     </p:extLst>
   </p:cSld>
